--- a/L02-processing.pptx
+++ b/L02-processing.pptx
@@ -5,7 +5,7 @@
     <p:sldMasterId id="2147483666" r:id="rId1"/>
   </p:sldMasterIdLst>
   <p:notesMasterIdLst>
-    <p:notesMasterId r:id="rId42"/>
+    <p:notesMasterId r:id="rId46"/>
   </p:notesMasterIdLst>
   <p:sldIdLst>
     <p:sldId id="319" r:id="rId2"/>
@@ -20,34 +20,38 @@
     <p:sldId id="283" r:id="rId11"/>
     <p:sldId id="285" r:id="rId12"/>
     <p:sldId id="286" r:id="rId13"/>
-    <p:sldId id="287" r:id="rId14"/>
-    <p:sldId id="288" r:id="rId15"/>
-    <p:sldId id="289" r:id="rId16"/>
-    <p:sldId id="290" r:id="rId17"/>
-    <p:sldId id="291" r:id="rId18"/>
-    <p:sldId id="328" r:id="rId19"/>
-    <p:sldId id="292" r:id="rId20"/>
-    <p:sldId id="293" r:id="rId21"/>
-    <p:sldId id="294" r:id="rId22"/>
-    <p:sldId id="296" r:id="rId23"/>
-    <p:sldId id="297" r:id="rId24"/>
-    <p:sldId id="298" r:id="rId25"/>
-    <p:sldId id="320" r:id="rId26"/>
-    <p:sldId id="300" r:id="rId27"/>
-    <p:sldId id="301" r:id="rId28"/>
-    <p:sldId id="304" r:id="rId29"/>
-    <p:sldId id="305" r:id="rId30"/>
-    <p:sldId id="326" r:id="rId31"/>
-    <p:sldId id="327" r:id="rId32"/>
-    <p:sldId id="325" r:id="rId33"/>
-    <p:sldId id="329" r:id="rId34"/>
-    <p:sldId id="302" r:id="rId35"/>
-    <p:sldId id="303" r:id="rId36"/>
-    <p:sldId id="306" r:id="rId37"/>
-    <p:sldId id="309" r:id="rId38"/>
-    <p:sldId id="310" r:id="rId39"/>
-    <p:sldId id="311" r:id="rId40"/>
-    <p:sldId id="324" r:id="rId41"/>
+    <p:sldId id="330" r:id="rId14"/>
+    <p:sldId id="331" r:id="rId15"/>
+    <p:sldId id="332" r:id="rId16"/>
+    <p:sldId id="287" r:id="rId17"/>
+    <p:sldId id="288" r:id="rId18"/>
+    <p:sldId id="289" r:id="rId19"/>
+    <p:sldId id="290" r:id="rId20"/>
+    <p:sldId id="291" r:id="rId21"/>
+    <p:sldId id="328" r:id="rId22"/>
+    <p:sldId id="292" r:id="rId23"/>
+    <p:sldId id="293" r:id="rId24"/>
+    <p:sldId id="294" r:id="rId25"/>
+    <p:sldId id="296" r:id="rId26"/>
+    <p:sldId id="297" r:id="rId27"/>
+    <p:sldId id="333" r:id="rId28"/>
+    <p:sldId id="298" r:id="rId29"/>
+    <p:sldId id="320" r:id="rId30"/>
+    <p:sldId id="300" r:id="rId31"/>
+    <p:sldId id="301" r:id="rId32"/>
+    <p:sldId id="304" r:id="rId33"/>
+    <p:sldId id="305" r:id="rId34"/>
+    <p:sldId id="326" r:id="rId35"/>
+    <p:sldId id="327" r:id="rId36"/>
+    <p:sldId id="325" r:id="rId37"/>
+    <p:sldId id="329" r:id="rId38"/>
+    <p:sldId id="302" r:id="rId39"/>
+    <p:sldId id="303" r:id="rId40"/>
+    <p:sldId id="306" r:id="rId41"/>
+    <p:sldId id="309" r:id="rId42"/>
+    <p:sldId id="310" r:id="rId43"/>
+    <p:sldId id="311" r:id="rId44"/>
+    <p:sldId id="324" r:id="rId45"/>
   </p:sldIdLst>
   <p:sldSz cx="17340263" cy="9753600"/>
   <p:notesSz cx="13004800" cy="9753600"/>
@@ -247,7 +251,7 @@
           <a:p>
             <a:fld id="{7DF0156D-DEB9-0441-B5A8-0F3CD2EF97E7}" type="datetimeFigureOut">
               <a:rPr lang="en-US" smtClean="0"/>
-              <a:t>8/22/18</a:t>
+              <a:t>7/25/19</a:t>
             </a:fld>
             <a:endParaRPr lang="en-US"/>
           </a:p>
@@ -986,7 +990,7 @@
           </a:ln>
           <a:extLst>
             <a:ext uri="{909E8E84-426E-40dd-AFC4-6F175D3DCCD1}">
-              <a14:hiddenFill xmlns:a14="http://schemas.microsoft.com/office/drawing/2010/main" xmlns="">
+              <a14:hiddenFill xmlns="" xmlns:a14="http://schemas.microsoft.com/office/drawing/2010/main">
                 <a:solidFill>
                   <a:srgbClr val="FFFFFF"/>
                 </a:solidFill>
@@ -1032,7 +1036,7 @@
           </a:ln>
           <a:extLst>
             <a:ext uri="{909E8E84-426E-40dd-AFC4-6F175D3DCCD1}">
-              <a14:hiddenFill xmlns:a14="http://schemas.microsoft.com/office/drawing/2010/main" xmlns="">
+              <a14:hiddenFill xmlns="" xmlns:a14="http://schemas.microsoft.com/office/drawing/2010/main">
                 <a:solidFill>
                   <a:srgbClr val="FFFFFF"/>
                 </a:solidFill>
@@ -1078,7 +1082,7 @@
           </a:ln>
           <a:extLst>
             <a:ext uri="{909E8E84-426E-40dd-AFC4-6F175D3DCCD1}">
-              <a14:hiddenFill xmlns:a14="http://schemas.microsoft.com/office/drawing/2010/main" xmlns="">
+              <a14:hiddenFill xmlns="" xmlns:a14="http://schemas.microsoft.com/office/drawing/2010/main">
                 <a:solidFill>
                   <a:srgbClr val="FFFFFF"/>
                 </a:solidFill>
@@ -1122,7 +1126,7 @@
           </a:ln>
           <a:extLst>
             <a:ext uri="{909E8E84-426E-40dd-AFC4-6F175D3DCCD1}">
-              <a14:hiddenFill xmlns:a14="http://schemas.microsoft.com/office/drawing/2010/main" xmlns="">
+              <a14:hiddenFill xmlns="" xmlns:a14="http://schemas.microsoft.com/office/drawing/2010/main">
                 <a:solidFill>
                   <a:srgbClr val="FFFFFF"/>
                 </a:solidFill>
@@ -1168,7 +1172,7 @@
           </a:ln>
           <a:extLst>
             <a:ext uri="{909E8E84-426E-40dd-AFC4-6F175D3DCCD1}">
-              <a14:hiddenFill xmlns:a14="http://schemas.microsoft.com/office/drawing/2010/main" xmlns="">
+              <a14:hiddenFill xmlns="" xmlns:a14="http://schemas.microsoft.com/office/drawing/2010/main">
                 <a:solidFill>
                   <a:srgbClr val="FFFFFF"/>
                 </a:solidFill>
@@ -1214,7 +1218,7 @@
           </a:ln>
           <a:extLst>
             <a:ext uri="{909E8E84-426E-40dd-AFC4-6F175D3DCCD1}">
-              <a14:hiddenFill xmlns:a14="http://schemas.microsoft.com/office/drawing/2010/main" xmlns="">
+              <a14:hiddenFill xmlns="" xmlns:a14="http://schemas.microsoft.com/office/drawing/2010/main">
                 <a:solidFill>
                   <a:srgbClr val="FFFFFF"/>
                 </a:solidFill>
@@ -2071,7 +2075,6 @@
         </p:txBody>
       </p:sp>
     </p:spTree>
-    <p:extLst/>
   </p:cSld>
   <p:clrMapOvr>
     <a:masterClrMapping/>
@@ -2413,7 +2416,6 @@
         </p:txBody>
       </p:sp>
     </p:spTree>
-    <p:extLst/>
   </p:cSld>
   <p:clrMapOvr>
     <a:masterClrMapping/>
@@ -2755,7 +2757,6 @@
         </p:txBody>
       </p:sp>
     </p:spTree>
-    <p:extLst/>
   </p:cSld>
   <p:clrMapOvr>
     <a:masterClrMapping/>
@@ -3097,7 +3098,6 @@
         </p:txBody>
       </p:sp>
     </p:spTree>
-    <p:extLst/>
   </p:cSld>
   <p:clrMapOvr>
     <a:masterClrMapping/>
@@ -3439,7 +3439,6 @@
         </p:txBody>
       </p:sp>
     </p:spTree>
-    <p:extLst/>
   </p:cSld>
   <p:clrMapOvr>
     <a:masterClrMapping/>
@@ -3625,7 +3624,6 @@
         </p:txBody>
       </p:sp>
     </p:spTree>
-    <p:extLst/>
   </p:cSld>
   <p:clrMapOvr>
     <a:masterClrMapping/>
@@ -3988,7 +3986,6 @@
         </p:txBody>
       </p:sp>
     </p:spTree>
-    <p:extLst/>
   </p:cSld>
   <p:clrMapOvr>
     <a:masterClrMapping/>
@@ -4296,7 +4293,6 @@
         </p:txBody>
       </p:sp>
     </p:spTree>
-    <p:extLst/>
   </p:cSld>
   <p:clrMapOvr>
     <a:masterClrMapping/>
@@ -4604,7 +4600,6 @@
         </p:txBody>
       </p:sp>
     </p:spTree>
-    <p:extLst/>
   </p:cSld>
   <p:clrMapOvr>
     <a:masterClrMapping/>
@@ -4912,7 +4907,6 @@
         </p:txBody>
       </p:sp>
     </p:spTree>
-    <p:extLst/>
   </p:cSld>
   <p:clrMapOvr>
     <a:masterClrMapping/>
@@ -5220,7 +5214,6 @@
         </p:txBody>
       </p:sp>
     </p:spTree>
-    <p:extLst/>
   </p:cSld>
   <p:clrMapOvr>
     <a:masterClrMapping/>
@@ -5528,7 +5521,6 @@
         </p:txBody>
       </p:sp>
     </p:spTree>
-    <p:extLst/>
   </p:cSld>
   <p:clrMapOvr>
     <a:masterClrMapping/>
@@ -5848,7 +5840,6 @@
         </p:txBody>
       </p:sp>
     </p:spTree>
-    <p:extLst/>
   </p:cSld>
   <p:clrMapOvr>
     <a:masterClrMapping/>
@@ -6367,7 +6358,6 @@
         </p:txBody>
       </p:sp>
     </p:spTree>
-    <p:extLst/>
   </p:cSld>
   <p:clrMapOvr>
     <a:masterClrMapping/>
@@ -6709,7 +6699,6 @@
         </p:txBody>
       </p:sp>
     </p:spTree>
-    <p:extLst/>
   </p:cSld>
   <p:clrMapOvr>
     <a:masterClrMapping/>
@@ -6907,7 +6896,7 @@
           <a:p>
             <a:fld id="{6E39BF48-6E0A-4E37-BB05-8DF70571673D}" type="datetimeFigureOut">
               <a:rPr lang="en-US" smtClean="0"/>
-              <a:t>8/22/18</a:t>
+              <a:t>7/25/19</a:t>
             </a:fld>
             <a:endParaRPr lang="en-US"/>
           </a:p>
@@ -7661,10 +7650,7 @@
           <a:bodyPr/>
           <a:lstStyle/>
           <a:p>
-            <a:r>
-              <a:rPr lang="en-US" dirty="0"/>
-              <a:t>Discuss in more detail</a:t>
-            </a:r>
+            <a:endParaRPr lang="en-US" dirty="0"/>
           </a:p>
         </p:txBody>
       </p:sp>
@@ -7818,7 +7804,7 @@
 </file>
 
 <file path=ppt/slides/slide13.xml><?xml version="1.0" encoding="utf-8"?>
-<p:sld xmlns:a="http://schemas.openxmlformats.org/drawingml/2006/main" xmlns:r="http://schemas.openxmlformats.org/officeDocument/2006/relationships" xmlns:p="http://schemas.openxmlformats.org/presentationml/2006/main" showMasterSp="0">
+<p:sld xmlns:a="http://schemas.openxmlformats.org/drawingml/2006/main" xmlns:r="http://schemas.openxmlformats.org/officeDocument/2006/relationships" xmlns:p="http://schemas.openxmlformats.org/presentationml/2006/main">
   <p:cSld>
     <p:spTree>
       <p:nvGrpSpPr>
@@ -7836,36 +7822,13 @@
       </p:grpSpPr>
       <p:sp>
         <p:nvSpPr>
-          <p:cNvPr id="2" name="object 2"/>
-          <p:cNvSpPr/>
-          <p:nvPr/>
-        </p:nvSpPr>
-        <p:spPr>
-          <a:xfrm>
-            <a:off x="3988910" y="4088891"/>
-            <a:ext cx="11183112" cy="5398008"/>
-          </a:xfrm>
-          <a:prstGeom prst="rect">
-            <a:avLst/>
-          </a:prstGeom>
-          <a:blipFill>
-            <a:blip r:embed="rId2" cstate="print"/>
-            <a:stretch>
-              <a:fillRect/>
-            </a:stretch>
-          </a:blipFill>
-        </p:spPr>
-        <p:txBody>
-          <a:bodyPr wrap="square" lIns="0" tIns="0" rIns="0" bIns="0" rtlCol="0"/>
-          <a:lstStyle/>
-          <a:p>
-            <a:endParaRPr/>
-          </a:p>
-        </p:txBody>
-      </p:sp>
-      <p:sp>
-        <p:nvSpPr>
-          <p:cNvPr id="6" name="Content Placeholder 5"/>
+          <p:cNvPr id="2" name="Content Placeholder 1">
+            <a:extLst>
+              <a:ext uri="{FF2B5EF4-FFF2-40B4-BE49-F238E27FC236}">
+                <a16:creationId xmlns:a16="http://schemas.microsoft.com/office/drawing/2014/main" id="{C0085532-01D7-BE49-935F-C673FFEF4F37}"/>
+              </a:ext>
+            </a:extLst>
+          </p:cNvPr>
           <p:cNvSpPr>
             <a:spLocks noGrp="1"/>
           </p:cNvSpPr>
@@ -7879,69 +7842,47 @@
           <a:lstStyle/>
           <a:p>
             <a:r>
-              <a:rPr lang="en-US" sz="6538" dirty="0"/>
-              <a:t>shape</a:t>
-            </a:r>
-            <a:endParaRPr lang="en-US" sz="6000" spc="-5" dirty="0">
-              <a:solidFill>
-                <a:srgbClr val="006699"/>
-              </a:solidFill>
-              <a:latin typeface="Courier New"/>
-              <a:cs typeface="Courier New"/>
-            </a:endParaRPr>
+              <a:rPr lang="en-US" dirty="0"/>
+              <a:t>Right Hand (RHC) </a:t>
+            </a:r>
+            <a:br>
+              <a:rPr lang="en-US" dirty="0"/>
+            </a:br>
+            <a:r>
+              <a:rPr lang="en-US" dirty="0"/>
+              <a:t>vs </a:t>
+            </a:r>
+            <a:br>
+              <a:rPr lang="en-US" dirty="0"/>
+            </a:br>
+            <a:r>
+              <a:rPr lang="en-US" dirty="0"/>
+              <a:t>Left Hand (LHC)</a:t>
+            </a:r>
+            <a:br>
+              <a:rPr lang="en-US" dirty="0"/>
+            </a:br>
+            <a:r>
+              <a:rPr lang="en-US" dirty="0"/>
+              <a:t>Coordinate Systems</a:t>
+            </a:r>
+          </a:p>
+          <a:p>
+            <a:endParaRPr lang="en-US" dirty="0"/>
           </a:p>
           <a:p>
             <a:pPr lvl="1"/>
             <a:r>
-              <a:rPr lang="en-US" sz="4862" spc="-5" dirty="0">
-                <a:solidFill>
-                  <a:srgbClr val="006699"/>
-                </a:solidFill>
-                <a:latin typeface="Courier New"/>
-                <a:cs typeface="Courier New"/>
-              </a:rPr>
-              <a:t>point</a:t>
-            </a:r>
-            <a:r>
-              <a:rPr lang="en-US" sz="4862" spc="-5" dirty="0">
-                <a:latin typeface="Courier New"/>
-                <a:cs typeface="Courier New"/>
-              </a:rPr>
-              <a:t>(x,</a:t>
-            </a:r>
-            <a:r>
-              <a:rPr lang="en-US" sz="4862" spc="-140" dirty="0">
-                <a:latin typeface="Courier New"/>
-                <a:cs typeface="Courier New"/>
-              </a:rPr>
-              <a:t> </a:t>
-            </a:r>
-            <a:r>
-              <a:rPr lang="en-US" sz="4862" spc="-5" dirty="0">
-                <a:latin typeface="Courier New"/>
-                <a:cs typeface="Courier New"/>
-              </a:rPr>
-              <a:t>y);</a:t>
-            </a:r>
-            <a:endParaRPr lang="en-US" sz="4862" dirty="0">
-              <a:latin typeface="Courier New"/>
-              <a:cs typeface="Courier New"/>
-            </a:endParaRPr>
-          </a:p>
-          <a:p>
-            <a:endParaRPr lang="en-US" dirty="0"/>
-          </a:p>
-          <a:p>
-            <a:endParaRPr lang="en-US" dirty="0"/>
-          </a:p>
-          <a:p>
-            <a:endParaRPr lang="en-US" dirty="0"/>
-          </a:p>
-          <a:p>
-            <a:endParaRPr lang="en-US" dirty="0"/>
-          </a:p>
-          <a:p>
-            <a:endParaRPr lang="en-US" dirty="0"/>
+              <a:rPr lang="en-US" dirty="0"/>
+              <a:t>Everything we do in this class assumes RHC (not in processing)</a:t>
+            </a:r>
+          </a:p>
+          <a:p>
+            <a:pPr lvl="1"/>
+            <a:r>
+              <a:rPr lang="en-US" dirty="0"/>
+              <a:t>I’ve included some code in the skeleton to convert Processing into a RHC</a:t>
+            </a:r>
           </a:p>
         </p:txBody>
       </p:sp>
@@ -7950,7 +7891,7 @@
           <p:cNvPr id="3" name="Content Placeholder 2">
             <a:extLst>
               <a:ext uri="{FF2B5EF4-FFF2-40B4-BE49-F238E27FC236}">
-                <a16:creationId xmlns:a16="http://schemas.microsoft.com/office/drawing/2014/main" id="{B9F2AEBB-F734-7049-BB5E-C0F217418163}"/>
+                <a16:creationId xmlns:a16="http://schemas.microsoft.com/office/drawing/2014/main" id="{759940E8-9964-3542-B47C-EAD120D19BED}"/>
               </a:ext>
             </a:extLst>
           </p:cNvPr>
@@ -7971,6 +7912,11 @@
         </p:txBody>
       </p:sp>
     </p:spTree>
+    <p:extLst>
+      <p:ext uri="{BB962C8B-B14F-4D97-AF65-F5344CB8AC3E}">
+        <p14:creationId xmlns:p14="http://schemas.microsoft.com/office/powerpoint/2010/main" val="1298096711"/>
+      </p:ext>
+    </p:extLst>
   </p:cSld>
   <p:clrMapOvr>
     <a:masterClrMapping/>
@@ -7979,7 +7925,7 @@
 </file>
 
 <file path=ppt/slides/slide14.xml><?xml version="1.0" encoding="utf-8"?>
-<p:sld xmlns:a="http://schemas.openxmlformats.org/drawingml/2006/main" xmlns:r="http://schemas.openxmlformats.org/officeDocument/2006/relationships" xmlns:p="http://schemas.openxmlformats.org/presentationml/2006/main" showMasterSp="0">
+<p:sld xmlns:a="http://schemas.openxmlformats.org/drawingml/2006/main" xmlns:r="http://schemas.openxmlformats.org/officeDocument/2006/relationships" xmlns:p="http://schemas.openxmlformats.org/presentationml/2006/main">
   <p:cSld>
     <p:spTree>
       <p:nvGrpSpPr>
@@ -7995,116 +7941,47 @@
           <a:chExt cx="0" cy="0"/>
         </a:xfrm>
       </p:grpSpPr>
-      <p:sp>
-        <p:nvSpPr>
-          <p:cNvPr id="2" name="object 2"/>
-          <p:cNvSpPr/>
-          <p:nvPr/>
-        </p:nvSpPr>
-        <p:spPr>
-          <a:xfrm>
-            <a:off x="3984338" y="4087367"/>
-            <a:ext cx="11187684" cy="5399532"/>
-          </a:xfrm>
-          <a:prstGeom prst="rect">
-            <a:avLst/>
-          </a:prstGeom>
-          <a:blipFill>
-            <a:blip r:embed="rId2" cstate="print"/>
-            <a:stretch>
-              <a:fillRect/>
-            </a:stretch>
-          </a:blipFill>
-        </p:spPr>
-        <p:txBody>
-          <a:bodyPr wrap="square" lIns="0" tIns="0" rIns="0" bIns="0" rtlCol="0"/>
-          <a:lstStyle/>
-          <a:p>
-            <a:endParaRPr/>
-          </a:p>
-        </p:txBody>
-      </p:sp>
-      <p:sp>
-        <p:nvSpPr>
-          <p:cNvPr id="6" name="Content Placeholder 5"/>
-          <p:cNvSpPr>
-            <a:spLocks noGrp="1"/>
-          </p:cNvSpPr>
+      <p:pic>
+        <p:nvPicPr>
+          <p:cNvPr id="5" name="Content Placeholder 4">
+            <a:extLst>
+              <a:ext uri="{FF2B5EF4-FFF2-40B4-BE49-F238E27FC236}">
+                <a16:creationId xmlns:a16="http://schemas.microsoft.com/office/drawing/2014/main" id="{89432E20-9958-BF40-8CA2-DC72DE18289A}"/>
+              </a:ext>
+            </a:extLst>
+          </p:cNvPr>
+          <p:cNvPicPr>
+            <a:picLocks noGrp="1" noChangeAspect="1"/>
+          </p:cNvPicPr>
           <p:nvPr>
             <p:ph sz="half" idx="1"/>
           </p:nvPr>
-        </p:nvSpPr>
-        <p:spPr/>
-        <p:txBody>
-          <a:bodyPr/>
-          <a:lstStyle/>
-          <a:p>
-            <a:r>
-              <a:rPr lang="en-US" dirty="0"/>
-              <a:t>shape</a:t>
-            </a:r>
-          </a:p>
-          <a:p>
-            <a:pPr lvl="1"/>
-            <a:r>
-              <a:rPr lang="mr-IN" dirty="0" err="1">
-                <a:solidFill>
-                  <a:schemeClr val="accent5"/>
-                </a:solidFill>
-                <a:latin typeface="Courier New" charset="0"/>
-                <a:ea typeface="Courier New" charset="0"/>
-                <a:cs typeface="Courier New" charset="0"/>
-              </a:rPr>
-              <a:t>line</a:t>
-            </a:r>
-            <a:r>
-              <a:rPr lang="mr-IN" dirty="0">
-                <a:latin typeface="Courier New" charset="0"/>
-                <a:ea typeface="Courier New" charset="0"/>
-                <a:cs typeface="Courier New" charset="0"/>
-              </a:rPr>
-              <a:t>(x1, y1,</a:t>
-            </a:r>
-            <a:r>
-              <a:rPr lang="en-US" dirty="0">
-                <a:latin typeface="Courier New" charset="0"/>
-                <a:ea typeface="Courier New" charset="0"/>
-                <a:cs typeface="Courier New" charset="0"/>
-              </a:rPr>
-              <a:t> </a:t>
-            </a:r>
-            <a:r>
-              <a:rPr lang="mr-IN" dirty="0">
-                <a:latin typeface="Courier New" charset="0"/>
-                <a:ea typeface="Courier New" charset="0"/>
-                <a:cs typeface="Courier New" charset="0"/>
-              </a:rPr>
-              <a:t>x2, y2);</a:t>
-            </a:r>
-          </a:p>
-          <a:p>
-            <a:endParaRPr lang="en-US" dirty="0"/>
-          </a:p>
-          <a:p>
-            <a:endParaRPr lang="en-US" dirty="0"/>
-          </a:p>
-          <a:p>
-            <a:endParaRPr lang="en-US" dirty="0"/>
-          </a:p>
-          <a:p>
-            <a:endParaRPr lang="en-US" dirty="0"/>
-          </a:p>
-          <a:p>
-            <a:endParaRPr lang="en-US" dirty="0"/>
-          </a:p>
-        </p:txBody>
-      </p:sp>
+        </p:nvPicPr>
+        <p:blipFill>
+          <a:blip r:embed="rId2">
+            <a:extLst>
+              <a:ext uri="{28A0092B-C50C-407E-A947-70E740481C1C}">
+                <a14:useLocalDpi xmlns:a14="http://schemas.microsoft.com/office/drawing/2010/main" val="0"/>
+              </a:ext>
+            </a:extLst>
+          </a:blip>
+          <a:stretch>
+            <a:fillRect/>
+          </a:stretch>
+        </p:blipFill>
+        <p:spPr>
+          <a:xfrm>
+            <a:off x="4149725" y="1485900"/>
+            <a:ext cx="9042400" cy="6781800"/>
+          </a:xfrm>
+        </p:spPr>
+      </p:pic>
       <p:sp>
         <p:nvSpPr>
           <p:cNvPr id="3" name="Content Placeholder 2">
             <a:extLst>
               <a:ext uri="{FF2B5EF4-FFF2-40B4-BE49-F238E27FC236}">
-                <a16:creationId xmlns:a16="http://schemas.microsoft.com/office/drawing/2014/main" id="{FD9BDC59-F71A-B143-870A-B351EE435F5A}"/>
+                <a16:creationId xmlns:a16="http://schemas.microsoft.com/office/drawing/2014/main" id="{2F7068C1-417B-9544-A648-52B02D53C240}"/>
               </a:ext>
             </a:extLst>
           </p:cNvPr>
@@ -8124,7 +8001,411 @@
           </a:p>
         </p:txBody>
       </p:sp>
+      <p:sp>
+        <p:nvSpPr>
+          <p:cNvPr id="6" name="TextBox 5">
+            <a:extLst>
+              <a:ext uri="{FF2B5EF4-FFF2-40B4-BE49-F238E27FC236}">
+                <a16:creationId xmlns:a16="http://schemas.microsoft.com/office/drawing/2014/main" id="{A661D46D-B3A9-4341-B2D8-FEEDF5099427}"/>
+              </a:ext>
+            </a:extLst>
+          </p:cNvPr>
+          <p:cNvSpPr txBox="1"/>
+          <p:nvPr/>
+        </p:nvSpPr>
+        <p:spPr>
+          <a:xfrm>
+            <a:off x="4242655" y="1959820"/>
+            <a:ext cx="617477" cy="369332"/>
+          </a:xfrm>
+          <a:prstGeom prst="rect">
+            <a:avLst/>
+          </a:prstGeom>
+          <a:noFill/>
+        </p:spPr>
+        <p:txBody>
+          <a:bodyPr wrap="none" rtlCol="0">
+            <a:spAutoFit/>
+          </a:bodyPr>
+          <a:lstStyle/>
+          <a:p>
+            <a:r>
+              <a:rPr lang="en-US" dirty="0"/>
+              <a:t>(0,0)</a:t>
+            </a:r>
+          </a:p>
+        </p:txBody>
+      </p:sp>
+      <p:sp>
+        <p:nvSpPr>
+          <p:cNvPr id="7" name="TextBox 6">
+            <a:extLst>
+              <a:ext uri="{FF2B5EF4-FFF2-40B4-BE49-F238E27FC236}">
+                <a16:creationId xmlns:a16="http://schemas.microsoft.com/office/drawing/2014/main" id="{8AE0FA22-6438-8F4C-88DE-6F8FD4B05BBB}"/>
+              </a:ext>
+            </a:extLst>
+          </p:cNvPr>
+          <p:cNvSpPr txBox="1"/>
+          <p:nvPr/>
+        </p:nvSpPr>
+        <p:spPr>
+          <a:xfrm>
+            <a:off x="3763870" y="7256502"/>
+            <a:ext cx="1096262" cy="369332"/>
+          </a:xfrm>
+          <a:prstGeom prst="rect">
+            <a:avLst/>
+          </a:prstGeom>
+          <a:noFill/>
+        </p:spPr>
+        <p:txBody>
+          <a:bodyPr wrap="none" rtlCol="0">
+            <a:spAutoFit/>
+          </a:bodyPr>
+          <a:lstStyle/>
+          <a:p>
+            <a:r>
+              <a:rPr lang="en-US" dirty="0"/>
+              <a:t>(0,height)</a:t>
+            </a:r>
+          </a:p>
+        </p:txBody>
+      </p:sp>
+      <p:sp>
+        <p:nvSpPr>
+          <p:cNvPr id="8" name="TextBox 7">
+            <a:extLst>
+              <a:ext uri="{FF2B5EF4-FFF2-40B4-BE49-F238E27FC236}">
+                <a16:creationId xmlns:a16="http://schemas.microsoft.com/office/drawing/2014/main" id="{41CDC170-0A1D-1C46-B374-A94E15BB3F2D}"/>
+              </a:ext>
+            </a:extLst>
+          </p:cNvPr>
+          <p:cNvSpPr txBox="1"/>
+          <p:nvPr/>
+        </p:nvSpPr>
+        <p:spPr>
+          <a:xfrm>
+            <a:off x="12477183" y="1959820"/>
+            <a:ext cx="1039067" cy="369332"/>
+          </a:xfrm>
+          <a:prstGeom prst="rect">
+            <a:avLst/>
+          </a:prstGeom>
+          <a:noFill/>
+        </p:spPr>
+        <p:txBody>
+          <a:bodyPr wrap="none" rtlCol="0">
+            <a:spAutoFit/>
+          </a:bodyPr>
+          <a:lstStyle/>
+          <a:p>
+            <a:r>
+              <a:rPr lang="en-US" dirty="0"/>
+              <a:t>(width,0)</a:t>
+            </a:r>
+          </a:p>
+        </p:txBody>
+      </p:sp>
+      <p:sp>
+        <p:nvSpPr>
+          <p:cNvPr id="9" name="TextBox 8">
+            <a:extLst>
+              <a:ext uri="{FF2B5EF4-FFF2-40B4-BE49-F238E27FC236}">
+                <a16:creationId xmlns:a16="http://schemas.microsoft.com/office/drawing/2014/main" id="{048997EB-0C06-3840-B782-593F7F55D80D}"/>
+              </a:ext>
+            </a:extLst>
+          </p:cNvPr>
+          <p:cNvSpPr txBox="1"/>
+          <p:nvPr/>
+        </p:nvSpPr>
+        <p:spPr>
+          <a:xfrm>
+            <a:off x="12480131" y="7256502"/>
+            <a:ext cx="1517851" cy="369332"/>
+          </a:xfrm>
+          <a:prstGeom prst="rect">
+            <a:avLst/>
+          </a:prstGeom>
+          <a:noFill/>
+        </p:spPr>
+        <p:txBody>
+          <a:bodyPr wrap="none" rtlCol="0">
+            <a:spAutoFit/>
+          </a:bodyPr>
+          <a:lstStyle/>
+          <a:p>
+            <a:r>
+              <a:rPr lang="en-US" dirty="0"/>
+              <a:t>(</a:t>
+            </a:r>
+            <a:r>
+              <a:rPr lang="en-US" dirty="0" err="1"/>
+              <a:t>width,height</a:t>
+            </a:r>
+            <a:r>
+              <a:rPr lang="en-US" dirty="0"/>
+              <a:t>)</a:t>
+            </a:r>
+          </a:p>
+        </p:txBody>
+      </p:sp>
+      <p:sp>
+        <p:nvSpPr>
+          <p:cNvPr id="10" name="Oval 9">
+            <a:extLst>
+              <a:ext uri="{FF2B5EF4-FFF2-40B4-BE49-F238E27FC236}">
+                <a16:creationId xmlns:a16="http://schemas.microsoft.com/office/drawing/2014/main" id="{BDAAF4E9-4C69-2B46-9540-8D330C8630E1}"/>
+              </a:ext>
+            </a:extLst>
+          </p:cNvPr>
+          <p:cNvSpPr/>
+          <p:nvPr/>
+        </p:nvSpPr>
+        <p:spPr>
+          <a:xfrm>
+            <a:off x="4775598" y="7252454"/>
+            <a:ext cx="182880" cy="182880"/>
+          </a:xfrm>
+          <a:prstGeom prst="ellipse">
+            <a:avLst/>
+          </a:prstGeom>
+          <a:solidFill>
+            <a:schemeClr val="accent2"/>
+          </a:solidFill>
+          <a:ln>
+            <a:solidFill>
+              <a:schemeClr val="tx1"/>
+            </a:solidFill>
+          </a:ln>
+        </p:spPr>
+        <p:style>
+          <a:lnRef idx="2">
+            <a:schemeClr val="accent1">
+              <a:shade val="50000"/>
+            </a:schemeClr>
+          </a:lnRef>
+          <a:fillRef idx="1">
+            <a:schemeClr val="accent1"/>
+          </a:fillRef>
+          <a:effectRef idx="0">
+            <a:schemeClr val="accent1"/>
+          </a:effectRef>
+          <a:fontRef idx="minor">
+            <a:schemeClr val="lt1"/>
+          </a:fontRef>
+        </p:style>
+        <p:txBody>
+          <a:bodyPr rtlCol="0" anchor="ctr"/>
+          <a:lstStyle/>
+          <a:p>
+            <a:pPr algn="ctr"/>
+            <a:endParaRPr lang="en-US"/>
+          </a:p>
+        </p:txBody>
+      </p:sp>
+      <p:sp>
+        <p:nvSpPr>
+          <p:cNvPr id="11" name="Oval 10">
+            <a:extLst>
+              <a:ext uri="{FF2B5EF4-FFF2-40B4-BE49-F238E27FC236}">
+                <a16:creationId xmlns:a16="http://schemas.microsoft.com/office/drawing/2014/main" id="{73C876F9-28FA-8742-A198-181D467DDEC2}"/>
+              </a:ext>
+            </a:extLst>
+          </p:cNvPr>
+          <p:cNvSpPr/>
+          <p:nvPr/>
+        </p:nvSpPr>
+        <p:spPr>
+          <a:xfrm>
+            <a:off x="4775598" y="2179320"/>
+            <a:ext cx="182880" cy="182880"/>
+          </a:xfrm>
+          <a:prstGeom prst="ellipse">
+            <a:avLst/>
+          </a:prstGeom>
+          <a:solidFill>
+            <a:schemeClr val="accent2"/>
+          </a:solidFill>
+          <a:ln>
+            <a:solidFill>
+              <a:schemeClr val="tx1"/>
+            </a:solidFill>
+          </a:ln>
+        </p:spPr>
+        <p:style>
+          <a:lnRef idx="2">
+            <a:schemeClr val="accent1">
+              <a:shade val="50000"/>
+            </a:schemeClr>
+          </a:lnRef>
+          <a:fillRef idx="1">
+            <a:schemeClr val="accent1"/>
+          </a:fillRef>
+          <a:effectRef idx="0">
+            <a:schemeClr val="accent1"/>
+          </a:effectRef>
+          <a:fontRef idx="minor">
+            <a:schemeClr val="lt1"/>
+          </a:fontRef>
+        </p:style>
+        <p:txBody>
+          <a:bodyPr rtlCol="0" anchor="ctr"/>
+          <a:lstStyle/>
+          <a:p>
+            <a:pPr algn="ctr"/>
+            <a:endParaRPr lang="en-US"/>
+          </a:p>
+        </p:txBody>
+      </p:sp>
+      <p:sp>
+        <p:nvSpPr>
+          <p:cNvPr id="12" name="Oval 11">
+            <a:extLst>
+              <a:ext uri="{FF2B5EF4-FFF2-40B4-BE49-F238E27FC236}">
+                <a16:creationId xmlns:a16="http://schemas.microsoft.com/office/drawing/2014/main" id="{1EAE37B6-A64D-4F41-9073-3C967C1AA5DB}"/>
+              </a:ext>
+            </a:extLst>
+          </p:cNvPr>
+          <p:cNvSpPr/>
+          <p:nvPr/>
+        </p:nvSpPr>
+        <p:spPr>
+          <a:xfrm>
+            <a:off x="12373451" y="7252454"/>
+            <a:ext cx="182880" cy="182880"/>
+          </a:xfrm>
+          <a:prstGeom prst="ellipse">
+            <a:avLst/>
+          </a:prstGeom>
+          <a:solidFill>
+            <a:schemeClr val="accent2"/>
+          </a:solidFill>
+          <a:ln>
+            <a:solidFill>
+              <a:schemeClr val="tx1"/>
+            </a:solidFill>
+          </a:ln>
+        </p:spPr>
+        <p:style>
+          <a:lnRef idx="2">
+            <a:schemeClr val="accent1">
+              <a:shade val="50000"/>
+            </a:schemeClr>
+          </a:lnRef>
+          <a:fillRef idx="1">
+            <a:schemeClr val="accent1"/>
+          </a:fillRef>
+          <a:effectRef idx="0">
+            <a:schemeClr val="accent1"/>
+          </a:effectRef>
+          <a:fontRef idx="minor">
+            <a:schemeClr val="lt1"/>
+          </a:fontRef>
+        </p:style>
+        <p:txBody>
+          <a:bodyPr rtlCol="0" anchor="ctr"/>
+          <a:lstStyle/>
+          <a:p>
+            <a:pPr algn="ctr"/>
+            <a:endParaRPr lang="en-US"/>
+          </a:p>
+        </p:txBody>
+      </p:sp>
+      <p:sp>
+        <p:nvSpPr>
+          <p:cNvPr id="13" name="Oval 12">
+            <a:extLst>
+              <a:ext uri="{FF2B5EF4-FFF2-40B4-BE49-F238E27FC236}">
+                <a16:creationId xmlns:a16="http://schemas.microsoft.com/office/drawing/2014/main" id="{50E1F584-154C-5D4A-A650-CACC99D80BF0}"/>
+              </a:ext>
+            </a:extLst>
+          </p:cNvPr>
+          <p:cNvSpPr/>
+          <p:nvPr/>
+        </p:nvSpPr>
+        <p:spPr>
+          <a:xfrm>
+            <a:off x="12373451" y="2179320"/>
+            <a:ext cx="182880" cy="182880"/>
+          </a:xfrm>
+          <a:prstGeom prst="ellipse">
+            <a:avLst/>
+          </a:prstGeom>
+          <a:solidFill>
+            <a:schemeClr val="accent2"/>
+          </a:solidFill>
+          <a:ln>
+            <a:solidFill>
+              <a:schemeClr val="tx1"/>
+            </a:solidFill>
+          </a:ln>
+        </p:spPr>
+        <p:style>
+          <a:lnRef idx="2">
+            <a:schemeClr val="accent1">
+              <a:shade val="50000"/>
+            </a:schemeClr>
+          </a:lnRef>
+          <a:fillRef idx="1">
+            <a:schemeClr val="accent1"/>
+          </a:fillRef>
+          <a:effectRef idx="0">
+            <a:schemeClr val="accent1"/>
+          </a:effectRef>
+          <a:fontRef idx="minor">
+            <a:schemeClr val="lt1"/>
+          </a:fontRef>
+        </p:style>
+        <p:txBody>
+          <a:bodyPr rtlCol="0" anchor="ctr"/>
+          <a:lstStyle/>
+          <a:p>
+            <a:pPr algn="ctr"/>
+            <a:endParaRPr lang="en-US"/>
+          </a:p>
+        </p:txBody>
+      </p:sp>
+      <p:sp>
+        <p:nvSpPr>
+          <p:cNvPr id="14" name="TextBox 13">
+            <a:extLst>
+              <a:ext uri="{FF2B5EF4-FFF2-40B4-BE49-F238E27FC236}">
+                <a16:creationId xmlns:a16="http://schemas.microsoft.com/office/drawing/2014/main" id="{DDD860AB-3485-EF4F-826E-E3834A567263}"/>
+              </a:ext>
+            </a:extLst>
+          </p:cNvPr>
+          <p:cNvSpPr txBox="1"/>
+          <p:nvPr/>
+        </p:nvSpPr>
+        <p:spPr>
+          <a:xfrm>
+            <a:off x="1964531" y="762000"/>
+            <a:ext cx="5496248" cy="584775"/>
+          </a:xfrm>
+          <a:prstGeom prst="rect">
+            <a:avLst/>
+          </a:prstGeom>
+          <a:noFill/>
+        </p:spPr>
+        <p:txBody>
+          <a:bodyPr wrap="none" rtlCol="0">
+            <a:spAutoFit/>
+          </a:bodyPr>
+          <a:lstStyle/>
+          <a:p>
+            <a:r>
+              <a:rPr lang="en-US" sz="3200" dirty="0"/>
+              <a:t>LHC System (Processing default)</a:t>
+            </a:r>
+          </a:p>
+        </p:txBody>
+      </p:sp>
     </p:spTree>
+    <p:extLst>
+      <p:ext uri="{BB962C8B-B14F-4D97-AF65-F5344CB8AC3E}">
+        <p14:creationId xmlns:p14="http://schemas.microsoft.com/office/powerpoint/2010/main" val="3592262510"/>
+      </p:ext>
+    </p:extLst>
   </p:cSld>
   <p:clrMapOvr>
     <a:masterClrMapping/>
@@ -8133,7 +8414,7 @@
 </file>
 
 <file path=ppt/slides/slide15.xml><?xml version="1.0" encoding="utf-8"?>
-<p:sld xmlns:a="http://schemas.openxmlformats.org/drawingml/2006/main" xmlns:r="http://schemas.openxmlformats.org/officeDocument/2006/relationships" xmlns:p="http://schemas.openxmlformats.org/presentationml/2006/main" showMasterSp="0">
+<p:sld xmlns:a="http://schemas.openxmlformats.org/drawingml/2006/main" xmlns:r="http://schemas.openxmlformats.org/officeDocument/2006/relationships" xmlns:p="http://schemas.openxmlformats.org/presentationml/2006/main">
   <p:cSld>
     <p:spTree>
       <p:nvGrpSpPr>
@@ -8149,104 +8430,47 @@
           <a:chExt cx="0" cy="0"/>
         </a:xfrm>
       </p:grpSpPr>
-      <p:sp>
-        <p:nvSpPr>
-          <p:cNvPr id="2" name="object 2"/>
-          <p:cNvSpPr/>
-          <p:nvPr/>
-        </p:nvSpPr>
-        <p:spPr>
-          <a:xfrm>
-            <a:off x="3984338" y="4087367"/>
-            <a:ext cx="11187684" cy="5399532"/>
-          </a:xfrm>
-          <a:prstGeom prst="rect">
-            <a:avLst/>
-          </a:prstGeom>
-          <a:blipFill>
-            <a:blip r:embed="rId2" cstate="print"/>
-            <a:stretch>
-              <a:fillRect/>
-            </a:stretch>
-          </a:blipFill>
-        </p:spPr>
-        <p:txBody>
-          <a:bodyPr wrap="square" lIns="0" tIns="0" rIns="0" bIns="0" rtlCol="0"/>
-          <a:lstStyle/>
-          <a:p>
-            <a:endParaRPr/>
-          </a:p>
-        </p:txBody>
-      </p:sp>
-      <p:sp>
-        <p:nvSpPr>
-          <p:cNvPr id="6" name="Content Placeholder 5"/>
-          <p:cNvSpPr>
-            <a:spLocks noGrp="1"/>
-          </p:cNvSpPr>
+      <p:pic>
+        <p:nvPicPr>
+          <p:cNvPr id="5" name="Content Placeholder 4">
+            <a:extLst>
+              <a:ext uri="{FF2B5EF4-FFF2-40B4-BE49-F238E27FC236}">
+                <a16:creationId xmlns:a16="http://schemas.microsoft.com/office/drawing/2014/main" id="{89432E20-9958-BF40-8CA2-DC72DE18289A}"/>
+              </a:ext>
+            </a:extLst>
+          </p:cNvPr>
+          <p:cNvPicPr>
+            <a:picLocks noGrp="1" noChangeAspect="1"/>
+          </p:cNvPicPr>
           <p:nvPr>
             <p:ph sz="half" idx="1"/>
           </p:nvPr>
-        </p:nvSpPr>
-        <p:spPr/>
-        <p:txBody>
-          <a:bodyPr/>
-          <a:lstStyle/>
-          <a:p>
-            <a:r>
-              <a:rPr lang="en-US" dirty="0"/>
-              <a:t>shape</a:t>
-            </a:r>
-          </a:p>
-          <a:p>
-            <a:pPr lvl="1"/>
-            <a:r>
-              <a:rPr lang="en-US" dirty="0" err="1">
-                <a:solidFill>
-                  <a:schemeClr val="accent5"/>
-                </a:solidFill>
-                <a:latin typeface="Courier New" charset="0"/>
-                <a:ea typeface="Courier New" charset="0"/>
-                <a:cs typeface="Courier New" charset="0"/>
-              </a:rPr>
-              <a:t>rect</a:t>
-            </a:r>
-            <a:r>
-              <a:rPr lang="en-US" dirty="0">
-                <a:latin typeface="Courier New" charset="0"/>
-                <a:ea typeface="Courier New" charset="0"/>
-                <a:cs typeface="Courier New" charset="0"/>
-              </a:rPr>
-              <a:t>(x, y, width, height);</a:t>
-            </a:r>
-          </a:p>
-          <a:p>
-            <a:pPr lvl="1"/>
-            <a:endParaRPr lang="en-US" dirty="0"/>
-          </a:p>
-          <a:p>
-            <a:pPr lvl="1"/>
-            <a:endParaRPr lang="en-US" dirty="0"/>
-          </a:p>
-          <a:p>
-            <a:pPr lvl="1"/>
-            <a:endParaRPr lang="en-US" dirty="0"/>
-          </a:p>
-          <a:p>
-            <a:pPr lvl="1"/>
-            <a:endParaRPr lang="en-US" dirty="0"/>
-          </a:p>
-          <a:p>
-            <a:endParaRPr lang="en-US" dirty="0"/>
-          </a:p>
-        </p:txBody>
-      </p:sp>
+        </p:nvPicPr>
+        <p:blipFill>
+          <a:blip r:embed="rId2">
+            <a:extLst>
+              <a:ext uri="{28A0092B-C50C-407E-A947-70E740481C1C}">
+                <a14:useLocalDpi xmlns:a14="http://schemas.microsoft.com/office/drawing/2010/main" val="0"/>
+              </a:ext>
+            </a:extLst>
+          </a:blip>
+          <a:stretch>
+            <a:fillRect/>
+          </a:stretch>
+        </p:blipFill>
+        <p:spPr>
+          <a:xfrm>
+            <a:off x="4149725" y="1485900"/>
+            <a:ext cx="9042400" cy="6781800"/>
+          </a:xfrm>
+        </p:spPr>
+      </p:pic>
       <p:sp>
         <p:nvSpPr>
           <p:cNvPr id="3" name="Content Placeholder 2">
             <a:extLst>
               <a:ext uri="{FF2B5EF4-FFF2-40B4-BE49-F238E27FC236}">
-                <a16:creationId xmlns:a16="http://schemas.microsoft.com/office/drawing/2014/main" id="{84393CAC-A40E-5244-B1B6-89602A3398B3}"/>
+                <a16:creationId xmlns:a16="http://schemas.microsoft.com/office/drawing/2014/main" id="{2F7068C1-417B-9544-A648-52B02D53C240}"/>
               </a:ext>
             </a:extLst>
           </p:cNvPr>
@@ -8266,7 +8490,411 @@
           </a:p>
         </p:txBody>
       </p:sp>
+      <p:sp>
+        <p:nvSpPr>
+          <p:cNvPr id="6" name="TextBox 5">
+            <a:extLst>
+              <a:ext uri="{FF2B5EF4-FFF2-40B4-BE49-F238E27FC236}">
+                <a16:creationId xmlns:a16="http://schemas.microsoft.com/office/drawing/2014/main" id="{A661D46D-B3A9-4341-B2D8-FEEDF5099427}"/>
+              </a:ext>
+            </a:extLst>
+          </p:cNvPr>
+          <p:cNvSpPr txBox="1"/>
+          <p:nvPr/>
+        </p:nvSpPr>
+        <p:spPr>
+          <a:xfrm>
+            <a:off x="4242655" y="7250668"/>
+            <a:ext cx="617477" cy="369332"/>
+          </a:xfrm>
+          <a:prstGeom prst="rect">
+            <a:avLst/>
+          </a:prstGeom>
+          <a:noFill/>
+        </p:spPr>
+        <p:txBody>
+          <a:bodyPr wrap="none" rtlCol="0">
+            <a:spAutoFit/>
+          </a:bodyPr>
+          <a:lstStyle/>
+          <a:p>
+            <a:r>
+              <a:rPr lang="en-US" dirty="0"/>
+              <a:t>(0,0)</a:t>
+            </a:r>
+          </a:p>
+        </p:txBody>
+      </p:sp>
+      <p:sp>
+        <p:nvSpPr>
+          <p:cNvPr id="7" name="TextBox 6">
+            <a:extLst>
+              <a:ext uri="{FF2B5EF4-FFF2-40B4-BE49-F238E27FC236}">
+                <a16:creationId xmlns:a16="http://schemas.microsoft.com/office/drawing/2014/main" id="{8AE0FA22-6438-8F4C-88DE-6F8FD4B05BBB}"/>
+              </a:ext>
+            </a:extLst>
+          </p:cNvPr>
+          <p:cNvSpPr txBox="1"/>
+          <p:nvPr/>
+        </p:nvSpPr>
+        <p:spPr>
+          <a:xfrm>
+            <a:off x="3763870" y="1959820"/>
+            <a:ext cx="1096262" cy="369332"/>
+          </a:xfrm>
+          <a:prstGeom prst="rect">
+            <a:avLst/>
+          </a:prstGeom>
+          <a:noFill/>
+        </p:spPr>
+        <p:txBody>
+          <a:bodyPr wrap="none" rtlCol="0">
+            <a:spAutoFit/>
+          </a:bodyPr>
+          <a:lstStyle/>
+          <a:p>
+            <a:r>
+              <a:rPr lang="en-US" dirty="0"/>
+              <a:t>(0,height)</a:t>
+            </a:r>
+          </a:p>
+        </p:txBody>
+      </p:sp>
+      <p:sp>
+        <p:nvSpPr>
+          <p:cNvPr id="8" name="TextBox 7">
+            <a:extLst>
+              <a:ext uri="{FF2B5EF4-FFF2-40B4-BE49-F238E27FC236}">
+                <a16:creationId xmlns:a16="http://schemas.microsoft.com/office/drawing/2014/main" id="{41CDC170-0A1D-1C46-B374-A94E15BB3F2D}"/>
+              </a:ext>
+            </a:extLst>
+          </p:cNvPr>
+          <p:cNvSpPr txBox="1"/>
+          <p:nvPr/>
+        </p:nvSpPr>
+        <p:spPr>
+          <a:xfrm>
+            <a:off x="12477183" y="7256502"/>
+            <a:ext cx="1039067" cy="369332"/>
+          </a:xfrm>
+          <a:prstGeom prst="rect">
+            <a:avLst/>
+          </a:prstGeom>
+          <a:noFill/>
+        </p:spPr>
+        <p:txBody>
+          <a:bodyPr wrap="none" rtlCol="0">
+            <a:spAutoFit/>
+          </a:bodyPr>
+          <a:lstStyle/>
+          <a:p>
+            <a:r>
+              <a:rPr lang="en-US" dirty="0"/>
+              <a:t>(width,0)</a:t>
+            </a:r>
+          </a:p>
+        </p:txBody>
+      </p:sp>
+      <p:sp>
+        <p:nvSpPr>
+          <p:cNvPr id="9" name="TextBox 8">
+            <a:extLst>
+              <a:ext uri="{FF2B5EF4-FFF2-40B4-BE49-F238E27FC236}">
+                <a16:creationId xmlns:a16="http://schemas.microsoft.com/office/drawing/2014/main" id="{048997EB-0C06-3840-B782-593F7F55D80D}"/>
+              </a:ext>
+            </a:extLst>
+          </p:cNvPr>
+          <p:cNvSpPr txBox="1"/>
+          <p:nvPr/>
+        </p:nvSpPr>
+        <p:spPr>
+          <a:xfrm>
+            <a:off x="12480131" y="1959820"/>
+            <a:ext cx="1517851" cy="369332"/>
+          </a:xfrm>
+          <a:prstGeom prst="rect">
+            <a:avLst/>
+          </a:prstGeom>
+          <a:noFill/>
+        </p:spPr>
+        <p:txBody>
+          <a:bodyPr wrap="none" rtlCol="0">
+            <a:spAutoFit/>
+          </a:bodyPr>
+          <a:lstStyle/>
+          <a:p>
+            <a:r>
+              <a:rPr lang="en-US" dirty="0"/>
+              <a:t>(</a:t>
+            </a:r>
+            <a:r>
+              <a:rPr lang="en-US" dirty="0" err="1"/>
+              <a:t>width,height</a:t>
+            </a:r>
+            <a:r>
+              <a:rPr lang="en-US" dirty="0"/>
+              <a:t>)</a:t>
+            </a:r>
+          </a:p>
+        </p:txBody>
+      </p:sp>
+      <p:sp>
+        <p:nvSpPr>
+          <p:cNvPr id="10" name="Oval 9">
+            <a:extLst>
+              <a:ext uri="{FF2B5EF4-FFF2-40B4-BE49-F238E27FC236}">
+                <a16:creationId xmlns:a16="http://schemas.microsoft.com/office/drawing/2014/main" id="{BDAAF4E9-4C69-2B46-9540-8D330C8630E1}"/>
+              </a:ext>
+            </a:extLst>
+          </p:cNvPr>
+          <p:cNvSpPr/>
+          <p:nvPr/>
+        </p:nvSpPr>
+        <p:spPr>
+          <a:xfrm>
+            <a:off x="4775598" y="7252454"/>
+            <a:ext cx="182880" cy="182880"/>
+          </a:xfrm>
+          <a:prstGeom prst="ellipse">
+            <a:avLst/>
+          </a:prstGeom>
+          <a:solidFill>
+            <a:schemeClr val="accent2"/>
+          </a:solidFill>
+          <a:ln>
+            <a:solidFill>
+              <a:schemeClr val="tx1"/>
+            </a:solidFill>
+          </a:ln>
+        </p:spPr>
+        <p:style>
+          <a:lnRef idx="2">
+            <a:schemeClr val="accent1">
+              <a:shade val="50000"/>
+            </a:schemeClr>
+          </a:lnRef>
+          <a:fillRef idx="1">
+            <a:schemeClr val="accent1"/>
+          </a:fillRef>
+          <a:effectRef idx="0">
+            <a:schemeClr val="accent1"/>
+          </a:effectRef>
+          <a:fontRef idx="minor">
+            <a:schemeClr val="lt1"/>
+          </a:fontRef>
+        </p:style>
+        <p:txBody>
+          <a:bodyPr rtlCol="0" anchor="ctr"/>
+          <a:lstStyle/>
+          <a:p>
+            <a:pPr algn="ctr"/>
+            <a:endParaRPr lang="en-US"/>
+          </a:p>
+        </p:txBody>
+      </p:sp>
+      <p:sp>
+        <p:nvSpPr>
+          <p:cNvPr id="11" name="Oval 10">
+            <a:extLst>
+              <a:ext uri="{FF2B5EF4-FFF2-40B4-BE49-F238E27FC236}">
+                <a16:creationId xmlns:a16="http://schemas.microsoft.com/office/drawing/2014/main" id="{73C876F9-28FA-8742-A198-181D467DDEC2}"/>
+              </a:ext>
+            </a:extLst>
+          </p:cNvPr>
+          <p:cNvSpPr/>
+          <p:nvPr/>
+        </p:nvSpPr>
+        <p:spPr>
+          <a:xfrm>
+            <a:off x="4775598" y="2179320"/>
+            <a:ext cx="182880" cy="182880"/>
+          </a:xfrm>
+          <a:prstGeom prst="ellipse">
+            <a:avLst/>
+          </a:prstGeom>
+          <a:solidFill>
+            <a:schemeClr val="accent2"/>
+          </a:solidFill>
+          <a:ln>
+            <a:solidFill>
+              <a:schemeClr val="tx1"/>
+            </a:solidFill>
+          </a:ln>
+        </p:spPr>
+        <p:style>
+          <a:lnRef idx="2">
+            <a:schemeClr val="accent1">
+              <a:shade val="50000"/>
+            </a:schemeClr>
+          </a:lnRef>
+          <a:fillRef idx="1">
+            <a:schemeClr val="accent1"/>
+          </a:fillRef>
+          <a:effectRef idx="0">
+            <a:schemeClr val="accent1"/>
+          </a:effectRef>
+          <a:fontRef idx="minor">
+            <a:schemeClr val="lt1"/>
+          </a:fontRef>
+        </p:style>
+        <p:txBody>
+          <a:bodyPr rtlCol="0" anchor="ctr"/>
+          <a:lstStyle/>
+          <a:p>
+            <a:pPr algn="ctr"/>
+            <a:endParaRPr lang="en-US"/>
+          </a:p>
+        </p:txBody>
+      </p:sp>
+      <p:sp>
+        <p:nvSpPr>
+          <p:cNvPr id="12" name="Oval 11">
+            <a:extLst>
+              <a:ext uri="{FF2B5EF4-FFF2-40B4-BE49-F238E27FC236}">
+                <a16:creationId xmlns:a16="http://schemas.microsoft.com/office/drawing/2014/main" id="{1EAE37B6-A64D-4F41-9073-3C967C1AA5DB}"/>
+              </a:ext>
+            </a:extLst>
+          </p:cNvPr>
+          <p:cNvSpPr/>
+          <p:nvPr/>
+        </p:nvSpPr>
+        <p:spPr>
+          <a:xfrm>
+            <a:off x="12373451" y="7252454"/>
+            <a:ext cx="182880" cy="182880"/>
+          </a:xfrm>
+          <a:prstGeom prst="ellipse">
+            <a:avLst/>
+          </a:prstGeom>
+          <a:solidFill>
+            <a:schemeClr val="accent2"/>
+          </a:solidFill>
+          <a:ln>
+            <a:solidFill>
+              <a:schemeClr val="tx1"/>
+            </a:solidFill>
+          </a:ln>
+        </p:spPr>
+        <p:style>
+          <a:lnRef idx="2">
+            <a:schemeClr val="accent1">
+              <a:shade val="50000"/>
+            </a:schemeClr>
+          </a:lnRef>
+          <a:fillRef idx="1">
+            <a:schemeClr val="accent1"/>
+          </a:fillRef>
+          <a:effectRef idx="0">
+            <a:schemeClr val="accent1"/>
+          </a:effectRef>
+          <a:fontRef idx="minor">
+            <a:schemeClr val="lt1"/>
+          </a:fontRef>
+        </p:style>
+        <p:txBody>
+          <a:bodyPr rtlCol="0" anchor="ctr"/>
+          <a:lstStyle/>
+          <a:p>
+            <a:pPr algn="ctr"/>
+            <a:endParaRPr lang="en-US"/>
+          </a:p>
+        </p:txBody>
+      </p:sp>
+      <p:sp>
+        <p:nvSpPr>
+          <p:cNvPr id="13" name="Oval 12">
+            <a:extLst>
+              <a:ext uri="{FF2B5EF4-FFF2-40B4-BE49-F238E27FC236}">
+                <a16:creationId xmlns:a16="http://schemas.microsoft.com/office/drawing/2014/main" id="{50E1F584-154C-5D4A-A650-CACC99D80BF0}"/>
+              </a:ext>
+            </a:extLst>
+          </p:cNvPr>
+          <p:cNvSpPr/>
+          <p:nvPr/>
+        </p:nvSpPr>
+        <p:spPr>
+          <a:xfrm>
+            <a:off x="12373451" y="2179320"/>
+            <a:ext cx="182880" cy="182880"/>
+          </a:xfrm>
+          <a:prstGeom prst="ellipse">
+            <a:avLst/>
+          </a:prstGeom>
+          <a:solidFill>
+            <a:schemeClr val="accent2"/>
+          </a:solidFill>
+          <a:ln>
+            <a:solidFill>
+              <a:schemeClr val="tx1"/>
+            </a:solidFill>
+          </a:ln>
+        </p:spPr>
+        <p:style>
+          <a:lnRef idx="2">
+            <a:schemeClr val="accent1">
+              <a:shade val="50000"/>
+            </a:schemeClr>
+          </a:lnRef>
+          <a:fillRef idx="1">
+            <a:schemeClr val="accent1"/>
+          </a:fillRef>
+          <a:effectRef idx="0">
+            <a:schemeClr val="accent1"/>
+          </a:effectRef>
+          <a:fontRef idx="minor">
+            <a:schemeClr val="lt1"/>
+          </a:fontRef>
+        </p:style>
+        <p:txBody>
+          <a:bodyPr rtlCol="0" anchor="ctr"/>
+          <a:lstStyle/>
+          <a:p>
+            <a:pPr algn="ctr"/>
+            <a:endParaRPr lang="en-US"/>
+          </a:p>
+        </p:txBody>
+      </p:sp>
+      <p:sp>
+        <p:nvSpPr>
+          <p:cNvPr id="14" name="TextBox 13">
+            <a:extLst>
+              <a:ext uri="{FF2B5EF4-FFF2-40B4-BE49-F238E27FC236}">
+                <a16:creationId xmlns:a16="http://schemas.microsoft.com/office/drawing/2014/main" id="{DDD860AB-3485-EF4F-826E-E3834A567263}"/>
+              </a:ext>
+            </a:extLst>
+          </p:cNvPr>
+          <p:cNvSpPr txBox="1"/>
+          <p:nvPr/>
+        </p:nvSpPr>
+        <p:spPr>
+          <a:xfrm>
+            <a:off x="1964531" y="762000"/>
+            <a:ext cx="6188169" cy="584775"/>
+          </a:xfrm>
+          <a:prstGeom prst="rect">
+            <a:avLst/>
+          </a:prstGeom>
+          <a:noFill/>
+        </p:spPr>
+        <p:txBody>
+          <a:bodyPr wrap="none" rtlCol="0">
+            <a:spAutoFit/>
+          </a:bodyPr>
+          <a:lstStyle/>
+          <a:p>
+            <a:r>
+              <a:rPr lang="en-US" sz="3200" dirty="0"/>
+              <a:t>RHC System (provided modification)</a:t>
+            </a:r>
+          </a:p>
+        </p:txBody>
+      </p:sp>
     </p:spTree>
+    <p:extLst>
+      <p:ext uri="{BB962C8B-B14F-4D97-AF65-F5344CB8AC3E}">
+        <p14:creationId xmlns:p14="http://schemas.microsoft.com/office/powerpoint/2010/main" val="2929720953"/>
+      </p:ext>
+    </p:extLst>
   </p:cSld>
   <p:clrMapOvr>
     <a:masterClrMapping/>
@@ -8299,8 +8927,8 @@
         </p:nvSpPr>
         <p:spPr>
           <a:xfrm>
-            <a:off x="3984338" y="4087367"/>
-            <a:ext cx="11187684" cy="5399532"/>
+            <a:off x="3988910" y="4088891"/>
+            <a:ext cx="11183112" cy="5398008"/>
           </a:xfrm>
           <a:prstGeom prst="rect">
             <a:avLst/>
@@ -8336,64 +8964,62 @@
           <a:lstStyle/>
           <a:p>
             <a:r>
-              <a:rPr lang="en-US" dirty="0"/>
-              <a:t>Shape</a:t>
-            </a:r>
+              <a:rPr lang="en-US" sz="6538" dirty="0"/>
+              <a:t>shape</a:t>
+            </a:r>
+            <a:endParaRPr lang="en-US" sz="6000" spc="-5" dirty="0">
+              <a:solidFill>
+                <a:srgbClr val="006699"/>
+              </a:solidFill>
+              <a:latin typeface="Courier New"/>
+              <a:cs typeface="Courier New"/>
+            </a:endParaRPr>
           </a:p>
           <a:p>
             <a:pPr lvl="1"/>
             <a:r>
-              <a:rPr lang="en-US" dirty="0" err="1">
+              <a:rPr lang="en-US" sz="4862" spc="-5" dirty="0">
                 <a:solidFill>
-                  <a:schemeClr val="accent5"/>
+                  <a:srgbClr val="006699"/>
                 </a:solidFill>
-                <a:latin typeface="Courier New" charset="0"/>
-                <a:ea typeface="Courier New" charset="0"/>
-                <a:cs typeface="Courier New" charset="0"/>
-              </a:rPr>
-              <a:t>ellipseMode</a:t>
-            </a:r>
-            <a:r>
-              <a:rPr lang="en-US" dirty="0">
-                <a:latin typeface="Courier New" charset="0"/>
-                <a:ea typeface="Courier New" charset="0"/>
-                <a:cs typeface="Courier New" charset="0"/>
-              </a:rPr>
-              <a:t>(CENTER);  </a:t>
-            </a:r>
-          </a:p>
-          <a:p>
-            <a:pPr lvl="1"/>
-            <a:r>
-              <a:rPr lang="en-US" dirty="0">
-                <a:solidFill>
-                  <a:schemeClr val="accent5"/>
-                </a:solidFill>
-                <a:latin typeface="Courier New" charset="0"/>
-                <a:ea typeface="Courier New" charset="0"/>
-                <a:cs typeface="Courier New" charset="0"/>
-              </a:rPr>
-              <a:t>ellipse</a:t>
-            </a:r>
-            <a:r>
-              <a:rPr lang="en-US" dirty="0">
-                <a:latin typeface="Courier New" charset="0"/>
-                <a:ea typeface="Courier New" charset="0"/>
-                <a:cs typeface="Courier New" charset="0"/>
-              </a:rPr>
-              <a:t>(x, y, width, height);</a:t>
-            </a:r>
-          </a:p>
-          <a:p>
-            <a:pPr lvl="1"/>
+                <a:latin typeface="Courier New"/>
+                <a:cs typeface="Courier New"/>
+              </a:rPr>
+              <a:t>point</a:t>
+            </a:r>
+            <a:r>
+              <a:rPr lang="en-US" sz="4862" spc="-5" dirty="0">
+                <a:latin typeface="Courier New"/>
+                <a:cs typeface="Courier New"/>
+              </a:rPr>
+              <a:t>(x,</a:t>
+            </a:r>
+            <a:r>
+              <a:rPr lang="en-US" sz="4862" spc="-140" dirty="0">
+                <a:latin typeface="Courier New"/>
+                <a:cs typeface="Courier New"/>
+              </a:rPr>
+              <a:t> </a:t>
+            </a:r>
+            <a:r>
+              <a:rPr lang="en-US" sz="4862" spc="-5" dirty="0">
+                <a:latin typeface="Courier New"/>
+                <a:cs typeface="Courier New"/>
+              </a:rPr>
+              <a:t>y);</a:t>
+            </a:r>
+            <a:endParaRPr lang="en-US" sz="4862" dirty="0">
+              <a:latin typeface="Courier New"/>
+              <a:cs typeface="Courier New"/>
+            </a:endParaRPr>
+          </a:p>
+          <a:p>
             <a:endParaRPr lang="en-US" dirty="0"/>
           </a:p>
           <a:p>
-            <a:pPr lvl="1"/>
             <a:endParaRPr lang="en-US" dirty="0"/>
           </a:p>
           <a:p>
-            <a:pPr lvl="1"/>
             <a:endParaRPr lang="en-US" dirty="0"/>
           </a:p>
           <a:p>
@@ -8409,7 +9035,7 @@
           <p:cNvPr id="3" name="Content Placeholder 2">
             <a:extLst>
               <a:ext uri="{FF2B5EF4-FFF2-40B4-BE49-F238E27FC236}">
-                <a16:creationId xmlns:a16="http://schemas.microsoft.com/office/drawing/2014/main" id="{0EE35FAD-702B-CB42-902A-997FC4AFEF19}"/>
+                <a16:creationId xmlns:a16="http://schemas.microsoft.com/office/drawing/2014/main" id="{B9F2AEBB-F734-7049-BB5E-C0F217418163}"/>
               </a:ext>
             </a:extLst>
           </p:cNvPr>
@@ -8456,7 +9082,36 @@
       </p:grpSpPr>
       <p:sp>
         <p:nvSpPr>
-          <p:cNvPr id="13" name="Content Placeholder 12"/>
+          <p:cNvPr id="2" name="object 2"/>
+          <p:cNvSpPr/>
+          <p:nvPr/>
+        </p:nvSpPr>
+        <p:spPr>
+          <a:xfrm>
+            <a:off x="3984338" y="4087367"/>
+            <a:ext cx="11187684" cy="5399532"/>
+          </a:xfrm>
+          <a:prstGeom prst="rect">
+            <a:avLst/>
+          </a:prstGeom>
+          <a:blipFill>
+            <a:blip r:embed="rId2" cstate="print"/>
+            <a:stretch>
+              <a:fillRect/>
+            </a:stretch>
+          </a:blipFill>
+        </p:spPr>
+        <p:txBody>
+          <a:bodyPr wrap="square" lIns="0" tIns="0" rIns="0" bIns="0" rtlCol="0"/>
+          <a:lstStyle/>
+          <a:p>
+            <a:endParaRPr/>
+          </a:p>
+        </p:txBody>
+      </p:sp>
+      <p:sp>
+        <p:nvSpPr>
+          <p:cNvPr id="6" name="Content Placeholder 5"/>
           <p:cNvSpPr>
             <a:spLocks noGrp="1"/>
           </p:cNvSpPr>
@@ -8471,16 +9126,13 @@
           <a:p>
             <a:r>
               <a:rPr lang="en-US" dirty="0"/>
-              <a:t>Shape</a:t>
-            </a:r>
-          </a:p>
-          <a:p>
-            <a:endParaRPr lang="en-US" dirty="0"/>
+              <a:t>shape</a:t>
+            </a:r>
           </a:p>
           <a:p>
             <a:pPr lvl="1"/>
             <a:r>
-              <a:rPr lang="en-US" sz="4000" dirty="0">
+              <a:rPr lang="mr-IN" dirty="0" err="1">
                 <a:solidFill>
                   <a:schemeClr val="accent5"/>
                 </a:solidFill>
@@ -8488,133 +9140,56 @@
                 <a:ea typeface="Courier New" charset="0"/>
                 <a:cs typeface="Courier New" charset="0"/>
               </a:rPr>
-              <a:t>triangle</a:t>
-            </a:r>
-            <a:r>
-              <a:rPr lang="en-US" sz="4000" dirty="0">
+              <a:t>line</a:t>
+            </a:r>
+            <a:r>
+              <a:rPr lang="mr-IN" dirty="0">
                 <a:latin typeface="Courier New" charset="0"/>
                 <a:ea typeface="Courier New" charset="0"/>
                 <a:cs typeface="Courier New" charset="0"/>
               </a:rPr>
-              <a:t>(x1,</a:t>
-            </a:r>
-            <a:r>
-              <a:rPr lang="da-DK" sz="4000" dirty="0">
+              <a:t>(x1, y1,</a:t>
+            </a:r>
+            <a:r>
+              <a:rPr lang="en-US" dirty="0">
                 <a:latin typeface="Courier New" charset="0"/>
                 <a:ea typeface="Courier New" charset="0"/>
                 <a:cs typeface="Courier New" charset="0"/>
               </a:rPr>
-              <a:t> y1, x2, y2, x3, y3);</a:t>
-            </a:r>
-          </a:p>
-          <a:p>
-            <a:pPr lvl="1"/>
-            <a:endParaRPr lang="da-DK" sz="4000" dirty="0">
-              <a:latin typeface="Courier New" charset="0"/>
-              <a:ea typeface="Courier New" charset="0"/>
-              <a:cs typeface="Courier New" charset="0"/>
-            </a:endParaRPr>
-          </a:p>
-          <a:p>
-            <a:pPr lvl="1"/>
-            <a:r>
-              <a:rPr lang="da-DK" sz="4000" dirty="0" err="1">
-                <a:solidFill>
-                  <a:schemeClr val="accent5"/>
-                </a:solidFill>
+              <a:t> </a:t>
+            </a:r>
+            <a:r>
+              <a:rPr lang="mr-IN" dirty="0">
                 <a:latin typeface="Courier New" charset="0"/>
                 <a:ea typeface="Courier New" charset="0"/>
                 <a:cs typeface="Courier New" charset="0"/>
               </a:rPr>
-              <a:t>quad</a:t>
-            </a:r>
-            <a:r>
-              <a:rPr lang="da-DK" sz="4000" dirty="0">
-                <a:latin typeface="Courier New" charset="0"/>
-                <a:ea typeface="Courier New" charset="0"/>
-                <a:cs typeface="Courier New" charset="0"/>
-              </a:rPr>
-              <a:t>(x1, y1, x2, y2, x3, y3, x4, y4);</a:t>
-            </a:r>
-          </a:p>
-          <a:p>
-            <a:pPr lvl="1"/>
-            <a:endParaRPr lang="da-DK" sz="4000" dirty="0">
-              <a:latin typeface="Courier New" charset="0"/>
-              <a:ea typeface="Courier New" charset="0"/>
-              <a:cs typeface="Courier New" charset="0"/>
-            </a:endParaRPr>
-          </a:p>
-          <a:p>
-            <a:pPr lvl="1"/>
-            <a:r>
-              <a:rPr lang="da-DK" sz="4000" dirty="0" err="1">
-                <a:solidFill>
-                  <a:schemeClr val="accent5"/>
-                </a:solidFill>
-                <a:latin typeface="Courier New" charset="0"/>
-                <a:ea typeface="Courier New" charset="0"/>
-                <a:cs typeface="Courier New" charset="0"/>
-              </a:rPr>
-              <a:t>arc</a:t>
-            </a:r>
-            <a:r>
-              <a:rPr lang="da-DK" sz="4000" dirty="0">
-                <a:latin typeface="Courier New" charset="0"/>
-                <a:ea typeface="Courier New" charset="0"/>
-                <a:cs typeface="Courier New" charset="0"/>
-              </a:rPr>
-              <a:t>(x, y, </a:t>
-            </a:r>
-            <a:r>
-              <a:rPr lang="da-DK" sz="4000" dirty="0" err="1">
-                <a:latin typeface="Courier New" charset="0"/>
-                <a:ea typeface="Courier New" charset="0"/>
-                <a:cs typeface="Courier New" charset="0"/>
-              </a:rPr>
-              <a:t>width</a:t>
-            </a:r>
-            <a:r>
-              <a:rPr lang="da-DK" sz="4000" dirty="0">
-                <a:latin typeface="Courier New" charset="0"/>
-                <a:ea typeface="Courier New" charset="0"/>
-                <a:cs typeface="Courier New" charset="0"/>
-              </a:rPr>
-              <a:t>, </a:t>
-            </a:r>
-            <a:r>
-              <a:rPr lang="da-DK" sz="4000" dirty="0" err="1">
-                <a:latin typeface="Courier New" charset="0"/>
-                <a:ea typeface="Courier New" charset="0"/>
-                <a:cs typeface="Courier New" charset="0"/>
-              </a:rPr>
-              <a:t>height</a:t>
-            </a:r>
-            <a:r>
-              <a:rPr lang="da-DK" sz="4000" dirty="0">
-                <a:latin typeface="Courier New" charset="0"/>
-                <a:ea typeface="Courier New" charset="0"/>
-                <a:cs typeface="Courier New" charset="0"/>
-              </a:rPr>
-              <a:t>, start,</a:t>
-            </a:r>
-            <a:r>
-              <a:rPr lang="pl-PL" sz="4000" dirty="0">
-                <a:latin typeface="Courier New" charset="0"/>
-                <a:ea typeface="Courier New" charset="0"/>
-                <a:cs typeface="Courier New" charset="0"/>
-              </a:rPr>
-              <a:t> stop);</a:t>
-            </a:r>
-          </a:p>
-        </p:txBody>
-      </p:sp>
-      <p:sp>
-        <p:nvSpPr>
-          <p:cNvPr id="2" name="Content Placeholder 1">
+              <a:t>x2, y2);</a:t>
+            </a:r>
+          </a:p>
+          <a:p>
+            <a:endParaRPr lang="en-US" dirty="0"/>
+          </a:p>
+          <a:p>
+            <a:endParaRPr lang="en-US" dirty="0"/>
+          </a:p>
+          <a:p>
+            <a:endParaRPr lang="en-US" dirty="0"/>
+          </a:p>
+          <a:p>
+            <a:endParaRPr lang="en-US" dirty="0"/>
+          </a:p>
+          <a:p>
+            <a:endParaRPr lang="en-US" dirty="0"/>
+          </a:p>
+        </p:txBody>
+      </p:sp>
+      <p:sp>
+        <p:nvSpPr>
+          <p:cNvPr id="3" name="Content Placeholder 2">
             <a:extLst>
               <a:ext uri="{FF2B5EF4-FFF2-40B4-BE49-F238E27FC236}">
-                <a16:creationId xmlns:a16="http://schemas.microsoft.com/office/drawing/2014/main" id="{A967D7C3-8F82-DE40-87E1-34B727A4ABBD}"/>
+                <a16:creationId xmlns:a16="http://schemas.microsoft.com/office/drawing/2014/main" id="{FD9BDC59-F71A-B143-870A-B351EE435F5A}"/>
               </a:ext>
             </a:extLst>
           </p:cNvPr>
@@ -8643,7 +9218,7 @@
 </file>
 
 <file path=ppt/slides/slide18.xml><?xml version="1.0" encoding="utf-8"?>
-<p:sld xmlns:a="http://schemas.openxmlformats.org/drawingml/2006/main" xmlns:r="http://schemas.openxmlformats.org/officeDocument/2006/relationships" xmlns:p="http://schemas.openxmlformats.org/presentationml/2006/main">
+<p:sld xmlns:a="http://schemas.openxmlformats.org/drawingml/2006/main" xmlns:r="http://schemas.openxmlformats.org/officeDocument/2006/relationships" xmlns:p="http://schemas.openxmlformats.org/presentationml/2006/main" showMasterSp="0">
   <p:cSld>
     <p:spTree>
       <p:nvGrpSpPr>
@@ -8661,13 +9236,36 @@
       </p:grpSpPr>
       <p:sp>
         <p:nvSpPr>
-          <p:cNvPr id="2" name="Content Placeholder 1">
-            <a:extLst>
-              <a:ext uri="{FF2B5EF4-FFF2-40B4-BE49-F238E27FC236}">
-                <a16:creationId xmlns:a16="http://schemas.microsoft.com/office/drawing/2014/main" id="{E1281BB1-0ECC-1E44-8AD3-9AB0B7759C45}"/>
-              </a:ext>
-            </a:extLst>
-          </p:cNvPr>
+          <p:cNvPr id="2" name="object 2"/>
+          <p:cNvSpPr/>
+          <p:nvPr/>
+        </p:nvSpPr>
+        <p:spPr>
+          <a:xfrm>
+            <a:off x="3984338" y="4087367"/>
+            <a:ext cx="11187684" cy="5399532"/>
+          </a:xfrm>
+          <a:prstGeom prst="rect">
+            <a:avLst/>
+          </a:prstGeom>
+          <a:blipFill>
+            <a:blip r:embed="rId2" cstate="print"/>
+            <a:stretch>
+              <a:fillRect/>
+            </a:stretch>
+          </a:blipFill>
+        </p:spPr>
+        <p:txBody>
+          <a:bodyPr wrap="square" lIns="0" tIns="0" rIns="0" bIns="0" rtlCol="0"/>
+          <a:lstStyle/>
+          <a:p>
+            <a:endParaRPr/>
+          </a:p>
+        </p:txBody>
+      </p:sp>
+      <p:sp>
+        <p:nvSpPr>
+          <p:cNvPr id="6" name="Content Placeholder 5"/>
           <p:cNvSpPr>
             <a:spLocks noGrp="1"/>
           </p:cNvSpPr>
@@ -8682,44 +9280,48 @@
           <a:p>
             <a:r>
               <a:rPr lang="en-US" dirty="0"/>
-              <a:t>Shape</a:t>
+              <a:t>shape</a:t>
             </a:r>
           </a:p>
           <a:p>
             <a:pPr lvl="1"/>
             <a:r>
-              <a:rPr lang="en-US" dirty="0"/>
-              <a:t>More complex shapes available with:</a:t>
+              <a:rPr lang="en-US" dirty="0" err="1">
+                <a:solidFill>
+                  <a:schemeClr val="accent5"/>
+                </a:solidFill>
+                <a:latin typeface="Courier New" charset="0"/>
+                <a:ea typeface="Courier New" charset="0"/>
+                <a:cs typeface="Courier New" charset="0"/>
+              </a:rPr>
+              <a:t>rect</a:t>
+            </a:r>
+            <a:r>
+              <a:rPr lang="en-US" dirty="0">
+                <a:latin typeface="Courier New" charset="0"/>
+                <a:ea typeface="Courier New" charset="0"/>
+                <a:cs typeface="Courier New" charset="0"/>
+              </a:rPr>
+              <a:t>(x, y, width, height);</a:t>
             </a:r>
           </a:p>
           <a:p>
             <a:pPr lvl="1"/>
-            <a:r>
-              <a:rPr lang="en-US" u="none" dirty="0">
-                <a:hlinkClick r:id="rId2"/>
-              </a:rPr>
-              <a:t>beginShape()</a:t>
-            </a:r>
-            <a:r>
-              <a:rPr lang="en-US" u="none" dirty="0"/>
-              <a:t> / </a:t>
-            </a:r>
-            <a:r>
-              <a:rPr lang="en-US" dirty="0">
-                <a:hlinkClick r:id="rId3"/>
-              </a:rPr>
-              <a:t>vertex()</a:t>
-            </a:r>
-            <a:r>
-              <a:rPr lang="en-US" dirty="0"/>
-              <a:t> / </a:t>
-            </a:r>
-            <a:r>
-              <a:rPr lang="en-US" u="none" dirty="0">
-                <a:hlinkClick r:id="rId4"/>
-              </a:rPr>
-              <a:t>endShape()</a:t>
-            </a:r>
+            <a:endParaRPr lang="en-US" dirty="0"/>
+          </a:p>
+          <a:p>
+            <a:pPr lvl="1"/>
+            <a:endParaRPr lang="en-US" dirty="0"/>
+          </a:p>
+          <a:p>
+            <a:pPr lvl="1"/>
+            <a:endParaRPr lang="en-US" dirty="0"/>
+          </a:p>
+          <a:p>
+            <a:pPr lvl="1"/>
+            <a:endParaRPr lang="en-US" dirty="0"/>
+          </a:p>
+          <a:p>
             <a:endParaRPr lang="en-US" dirty="0"/>
           </a:p>
         </p:txBody>
@@ -8729,7 +9331,7 @@
           <p:cNvPr id="3" name="Content Placeholder 2">
             <a:extLst>
               <a:ext uri="{FF2B5EF4-FFF2-40B4-BE49-F238E27FC236}">
-                <a16:creationId xmlns:a16="http://schemas.microsoft.com/office/drawing/2014/main" id="{FBA252EB-C68C-8140-9951-65007A8CD680}"/>
+                <a16:creationId xmlns:a16="http://schemas.microsoft.com/office/drawing/2014/main" id="{84393CAC-A40E-5244-B1B6-89602A3398B3}"/>
               </a:ext>
             </a:extLst>
           </p:cNvPr>
@@ -8750,11 +9352,6 @@
         </p:txBody>
       </p:sp>
     </p:spTree>
-    <p:extLst>
-      <p:ext uri="{BB962C8B-B14F-4D97-AF65-F5344CB8AC3E}">
-        <p14:creationId xmlns:p14="http://schemas.microsoft.com/office/powerpoint/2010/main" val="1607768587"/>
-      </p:ext>
-    </p:extLst>
   </p:cSld>
   <p:clrMapOvr>
     <a:masterClrMapping/>
@@ -8781,102 +9378,14 @@
       </p:grpSpPr>
       <p:sp>
         <p:nvSpPr>
-          <p:cNvPr id="6" name="Content Placeholder 5"/>
-          <p:cNvSpPr>
-            <a:spLocks noGrp="1"/>
-          </p:cNvSpPr>
-          <p:nvPr>
-            <p:ph sz="half" idx="1"/>
-          </p:nvPr>
-        </p:nvSpPr>
-        <p:spPr/>
-        <p:txBody>
-          <a:bodyPr/>
-          <a:lstStyle/>
-          <a:p>
-            <a:r>
-              <a:rPr lang="en-US" dirty="0"/>
-              <a:t>Color</a:t>
-            </a:r>
-          </a:p>
-          <a:p>
-            <a:pPr lvl="1"/>
-            <a:r>
-              <a:rPr lang="en-US" dirty="0"/>
-              <a:t> luminance (black &amp; white; grayscale)</a:t>
-            </a:r>
-          </a:p>
-          <a:p>
-            <a:pPr lvl="1"/>
-            <a:r>
-              <a:rPr lang="en-US" dirty="0">
-                <a:solidFill>
-                  <a:schemeClr val="accent5"/>
-                </a:solidFill>
-                <a:latin typeface="Courier New" charset="0"/>
-                <a:ea typeface="Courier New" charset="0"/>
-                <a:cs typeface="Courier New" charset="0"/>
-              </a:rPr>
-              <a:t>background</a:t>
-            </a:r>
-            <a:r>
-              <a:rPr lang="en-US" dirty="0">
-                <a:latin typeface="Courier New" charset="0"/>
-                <a:ea typeface="Courier New" charset="0"/>
-                <a:cs typeface="Courier New" charset="0"/>
-              </a:rPr>
-              <a:t>(255); // clear background</a:t>
-            </a:r>
-          </a:p>
-          <a:p>
-            <a:pPr lvl="1"/>
-            <a:endParaRPr lang="en-US" dirty="0"/>
-          </a:p>
-          <a:p>
-            <a:pPr lvl="1"/>
-            <a:endParaRPr lang="en-US" dirty="0"/>
-          </a:p>
-          <a:p>
-            <a:pPr lvl="1"/>
-            <a:endParaRPr lang="en-US" dirty="0"/>
-          </a:p>
-        </p:txBody>
-      </p:sp>
-      <p:sp>
-        <p:nvSpPr>
-          <p:cNvPr id="3" name="Content Placeholder 2">
-            <a:extLst>
-              <a:ext uri="{FF2B5EF4-FFF2-40B4-BE49-F238E27FC236}">
-                <a16:creationId xmlns:a16="http://schemas.microsoft.com/office/drawing/2014/main" id="{E7F2C52C-0A94-9644-AEE3-18F4EFCDFDCC}"/>
-              </a:ext>
-            </a:extLst>
-          </p:cNvPr>
-          <p:cNvSpPr>
-            <a:spLocks noGrp="1"/>
-          </p:cNvSpPr>
-          <p:nvPr>
-            <p:ph sz="half" idx="10"/>
-          </p:nvPr>
-        </p:nvSpPr>
-        <p:spPr/>
-        <p:txBody>
-          <a:bodyPr/>
-          <a:lstStyle/>
-          <a:p>
-            <a:endParaRPr lang="en-US"/>
-          </a:p>
-        </p:txBody>
-      </p:sp>
-      <p:sp>
-        <p:nvSpPr>
           <p:cNvPr id="2" name="object 2"/>
           <p:cNvSpPr/>
           <p:nvPr/>
         </p:nvSpPr>
         <p:spPr>
           <a:xfrm>
-            <a:off x="3475578" y="5562600"/>
-            <a:ext cx="10389108" cy="2641091"/>
+            <a:off x="3984338" y="4087367"/>
+            <a:ext cx="11187684" cy="5399532"/>
           </a:xfrm>
           <a:prstGeom prst="rect">
             <a:avLst/>
@@ -8893,6 +9402,115 @@
           <a:lstStyle/>
           <a:p>
             <a:endParaRPr/>
+          </a:p>
+        </p:txBody>
+      </p:sp>
+      <p:sp>
+        <p:nvSpPr>
+          <p:cNvPr id="6" name="Content Placeholder 5"/>
+          <p:cNvSpPr>
+            <a:spLocks noGrp="1"/>
+          </p:cNvSpPr>
+          <p:nvPr>
+            <p:ph sz="half" idx="1"/>
+          </p:nvPr>
+        </p:nvSpPr>
+        <p:spPr/>
+        <p:txBody>
+          <a:bodyPr/>
+          <a:lstStyle/>
+          <a:p>
+            <a:r>
+              <a:rPr lang="en-US" dirty="0"/>
+              <a:t>Shape</a:t>
+            </a:r>
+          </a:p>
+          <a:p>
+            <a:pPr lvl="1"/>
+            <a:r>
+              <a:rPr lang="en-US" dirty="0" err="1">
+                <a:solidFill>
+                  <a:schemeClr val="accent5"/>
+                </a:solidFill>
+                <a:latin typeface="Courier New" charset="0"/>
+                <a:ea typeface="Courier New" charset="0"/>
+                <a:cs typeface="Courier New" charset="0"/>
+              </a:rPr>
+              <a:t>ellipseMode</a:t>
+            </a:r>
+            <a:r>
+              <a:rPr lang="en-US" dirty="0">
+                <a:latin typeface="Courier New" charset="0"/>
+                <a:ea typeface="Courier New" charset="0"/>
+                <a:cs typeface="Courier New" charset="0"/>
+              </a:rPr>
+              <a:t>(CENTER);  </a:t>
+            </a:r>
+          </a:p>
+          <a:p>
+            <a:pPr lvl="1"/>
+            <a:r>
+              <a:rPr lang="en-US" dirty="0">
+                <a:solidFill>
+                  <a:schemeClr val="accent5"/>
+                </a:solidFill>
+                <a:latin typeface="Courier New" charset="0"/>
+                <a:ea typeface="Courier New" charset="0"/>
+                <a:cs typeface="Courier New" charset="0"/>
+              </a:rPr>
+              <a:t>ellipse</a:t>
+            </a:r>
+            <a:r>
+              <a:rPr lang="en-US" dirty="0">
+                <a:latin typeface="Courier New" charset="0"/>
+                <a:ea typeface="Courier New" charset="0"/>
+                <a:cs typeface="Courier New" charset="0"/>
+              </a:rPr>
+              <a:t>(x, y, width, height);</a:t>
+            </a:r>
+          </a:p>
+          <a:p>
+            <a:pPr lvl="1"/>
+            <a:endParaRPr lang="en-US" dirty="0"/>
+          </a:p>
+          <a:p>
+            <a:pPr lvl="1"/>
+            <a:endParaRPr lang="en-US" dirty="0"/>
+          </a:p>
+          <a:p>
+            <a:pPr lvl="1"/>
+            <a:endParaRPr lang="en-US" dirty="0"/>
+          </a:p>
+          <a:p>
+            <a:endParaRPr lang="en-US" dirty="0"/>
+          </a:p>
+          <a:p>
+            <a:endParaRPr lang="en-US" dirty="0"/>
+          </a:p>
+        </p:txBody>
+      </p:sp>
+      <p:sp>
+        <p:nvSpPr>
+          <p:cNvPr id="3" name="Content Placeholder 2">
+            <a:extLst>
+              <a:ext uri="{FF2B5EF4-FFF2-40B4-BE49-F238E27FC236}">
+                <a16:creationId xmlns:a16="http://schemas.microsoft.com/office/drawing/2014/main" id="{0EE35FAD-702B-CB42-902A-997FC4AFEF19}"/>
+              </a:ext>
+            </a:extLst>
+          </p:cNvPr>
+          <p:cNvSpPr>
+            <a:spLocks noGrp="1"/>
+          </p:cNvSpPr>
+          <p:nvPr>
+            <p:ph sz="half" idx="10"/>
+          </p:nvPr>
+        </p:nvSpPr>
+        <p:spPr/>
+        <p:txBody>
+          <a:bodyPr/>
+          <a:lstStyle/>
+          <a:p>
+            <a:endParaRPr lang="en-US"/>
           </a:p>
         </p:txBody>
       </p:sp>
@@ -9087,7 +9705,7 @@
       </p:grpSpPr>
       <p:sp>
         <p:nvSpPr>
-          <p:cNvPr id="7" name="Content Placeholder 6"/>
+          <p:cNvPr id="13" name="Content Placeholder 12"/>
           <p:cNvSpPr>
             <a:spLocks noGrp="1"/>
           </p:cNvSpPr>
@@ -9097,49 +9715,21 @@
         </p:nvSpPr>
         <p:spPr/>
         <p:txBody>
-          <a:bodyPr>
-            <a:normAutofit/>
-          </a:bodyPr>
-          <a:lstStyle/>
+          <a:bodyPr/>
+          <a:lstStyle/>
+          <a:p>
+            <a:r>
+              <a:rPr lang="en-US" dirty="0"/>
+              <a:t>Shape</a:t>
+            </a:r>
+          </a:p>
           <a:p>
             <a:endParaRPr lang="en-US" dirty="0"/>
           </a:p>
           <a:p>
-            <a:r>
-              <a:rPr lang="en-US" dirty="0"/>
-              <a:t>Color</a:t>
-            </a:r>
-          </a:p>
-          <a:p>
             <a:pPr lvl="1"/>
             <a:r>
-              <a:rPr lang="en-US" dirty="0"/>
-              <a:t>RGB (default)</a:t>
-            </a:r>
-          </a:p>
-          <a:p>
-            <a:pPr lvl="1"/>
-            <a:r>
-              <a:rPr lang="en-US" dirty="0">
-                <a:solidFill>
-                  <a:schemeClr val="accent2"/>
-                </a:solidFill>
-                <a:latin typeface="Courier New" charset="0"/>
-                <a:ea typeface="Courier New" charset="0"/>
-                <a:cs typeface="Courier New" charset="0"/>
-              </a:rPr>
-              <a:t>color </a:t>
-            </a:r>
-            <a:r>
-              <a:rPr lang="en-US" dirty="0">
-                <a:latin typeface="Courier New" charset="0"/>
-                <a:ea typeface="Courier New" charset="0"/>
-                <a:cs typeface="Courier New" charset="0"/>
-              </a:rPr>
-              <a:t>c1 = </a:t>
-            </a:r>
-            <a:r>
-              <a:rPr lang="en-US" dirty="0">
+              <a:rPr lang="en-US" sz="4000" dirty="0">
                 <a:solidFill>
                   <a:schemeClr val="accent5"/>
                 </a:solidFill>
@@ -9147,50 +9737,133 @@
                 <a:ea typeface="Courier New" charset="0"/>
                 <a:cs typeface="Courier New" charset="0"/>
               </a:rPr>
-              <a:t>color</a:t>
-            </a:r>
-            <a:r>
-              <a:rPr lang="en-US" dirty="0">
+              <a:t>triangle</a:t>
+            </a:r>
+            <a:r>
+              <a:rPr lang="en-US" sz="4000" dirty="0">
                 <a:latin typeface="Courier New" charset="0"/>
                 <a:ea typeface="Courier New" charset="0"/>
                 <a:cs typeface="Courier New" charset="0"/>
               </a:rPr>
-              <a:t>(r, g, b);</a:t>
+              <a:t>(x1,</a:t>
+            </a:r>
+            <a:r>
+              <a:rPr lang="da-DK" sz="4000" dirty="0">
+                <a:latin typeface="Courier New" charset="0"/>
+                <a:ea typeface="Courier New" charset="0"/>
+                <a:cs typeface="Courier New" charset="0"/>
+              </a:rPr>
+              <a:t> y1, x2, y2, x3, y3);</a:t>
             </a:r>
           </a:p>
           <a:p>
             <a:pPr lvl="1"/>
-            <a:r>
-              <a:rPr lang="en-US" dirty="0">
+            <a:endParaRPr lang="da-DK" sz="4000" dirty="0">
+              <a:latin typeface="Courier New" charset="0"/>
+              <a:ea typeface="Courier New" charset="0"/>
+              <a:cs typeface="Courier New" charset="0"/>
+            </a:endParaRPr>
+          </a:p>
+          <a:p>
+            <a:pPr lvl="1"/>
+            <a:r>
+              <a:rPr lang="da-DK" sz="4000" dirty="0" err="1">
                 <a:solidFill>
-                  <a:schemeClr val="accent2"/>
+                  <a:schemeClr val="accent5"/>
                 </a:solidFill>
                 <a:latin typeface="Courier New" charset="0"/>
                 <a:ea typeface="Courier New" charset="0"/>
                 <a:cs typeface="Courier New" charset="0"/>
               </a:rPr>
-              <a:t>color </a:t>
-            </a:r>
-            <a:r>
-              <a:rPr lang="en-US" dirty="0">
+              <a:t>quad</a:t>
+            </a:r>
+            <a:r>
+              <a:rPr lang="da-DK" sz="4000" dirty="0">
                 <a:latin typeface="Courier New" charset="0"/>
                 <a:ea typeface="Courier New" charset="0"/>
                 <a:cs typeface="Courier New" charset="0"/>
               </a:rPr>
-              <a:t>c2 = #RRGGBB;</a:t>
-            </a:r>
-          </a:p>
-          <a:p>
-            <a:endParaRPr lang="en-US" dirty="0"/>
-          </a:p>
-        </p:txBody>
-      </p:sp>
-      <p:sp>
-        <p:nvSpPr>
-          <p:cNvPr id="3" name="Content Placeholder 2">
+              <a:t>(x1, y1, x2, y2, x3, y3, x4, y4);</a:t>
+            </a:r>
+          </a:p>
+          <a:p>
+            <a:pPr lvl="1"/>
+            <a:endParaRPr lang="da-DK" sz="4000" dirty="0">
+              <a:latin typeface="Courier New" charset="0"/>
+              <a:ea typeface="Courier New" charset="0"/>
+              <a:cs typeface="Courier New" charset="0"/>
+            </a:endParaRPr>
+          </a:p>
+          <a:p>
+            <a:pPr lvl="1"/>
+            <a:r>
+              <a:rPr lang="da-DK" sz="4000" dirty="0" err="1">
+                <a:solidFill>
+                  <a:schemeClr val="accent5"/>
+                </a:solidFill>
+                <a:latin typeface="Courier New" charset="0"/>
+                <a:ea typeface="Courier New" charset="0"/>
+                <a:cs typeface="Courier New" charset="0"/>
+              </a:rPr>
+              <a:t>arc</a:t>
+            </a:r>
+            <a:r>
+              <a:rPr lang="da-DK" sz="4000" dirty="0">
+                <a:latin typeface="Courier New" charset="0"/>
+                <a:ea typeface="Courier New" charset="0"/>
+                <a:cs typeface="Courier New" charset="0"/>
+              </a:rPr>
+              <a:t>(x, y, </a:t>
+            </a:r>
+            <a:r>
+              <a:rPr lang="da-DK" sz="4000" dirty="0" err="1">
+                <a:latin typeface="Courier New" charset="0"/>
+                <a:ea typeface="Courier New" charset="0"/>
+                <a:cs typeface="Courier New" charset="0"/>
+              </a:rPr>
+              <a:t>width</a:t>
+            </a:r>
+            <a:r>
+              <a:rPr lang="da-DK" sz="4000" dirty="0">
+                <a:latin typeface="Courier New" charset="0"/>
+                <a:ea typeface="Courier New" charset="0"/>
+                <a:cs typeface="Courier New" charset="0"/>
+              </a:rPr>
+              <a:t>, </a:t>
+            </a:r>
+            <a:r>
+              <a:rPr lang="da-DK" sz="4000" dirty="0" err="1">
+                <a:latin typeface="Courier New" charset="0"/>
+                <a:ea typeface="Courier New" charset="0"/>
+                <a:cs typeface="Courier New" charset="0"/>
+              </a:rPr>
+              <a:t>height</a:t>
+            </a:r>
+            <a:r>
+              <a:rPr lang="da-DK" sz="4000" dirty="0">
+                <a:latin typeface="Courier New" charset="0"/>
+                <a:ea typeface="Courier New" charset="0"/>
+                <a:cs typeface="Courier New" charset="0"/>
+              </a:rPr>
+              <a:t>, start,</a:t>
+            </a:r>
+            <a:r>
+              <a:rPr lang="pl-PL" sz="4000" dirty="0">
+                <a:latin typeface="Courier New" charset="0"/>
+                <a:ea typeface="Courier New" charset="0"/>
+                <a:cs typeface="Courier New" charset="0"/>
+              </a:rPr>
+              <a:t> stop);</a:t>
+            </a:r>
+          </a:p>
+        </p:txBody>
+      </p:sp>
+      <p:sp>
+        <p:nvSpPr>
+          <p:cNvPr id="2" name="Content Placeholder 1">
             <a:extLst>
               <a:ext uri="{FF2B5EF4-FFF2-40B4-BE49-F238E27FC236}">
-                <a16:creationId xmlns:a16="http://schemas.microsoft.com/office/drawing/2014/main" id="{8A4A7351-D5FF-2A4E-8150-5F6824B0D7C0}"/>
+                <a16:creationId xmlns:a16="http://schemas.microsoft.com/office/drawing/2014/main" id="{A967D7C3-8F82-DE40-87E1-34B727A4ABBD}"/>
               </a:ext>
             </a:extLst>
           </p:cNvPr>
@@ -9210,37 +9883,6 @@
           </a:p>
         </p:txBody>
       </p:sp>
-      <p:sp>
-        <p:nvSpPr>
-          <p:cNvPr id="2" name="object 2"/>
-          <p:cNvSpPr>
-            <a:spLocks noChangeAspect="1"/>
-          </p:cNvSpPr>
-          <p:nvPr/>
-        </p:nvSpPr>
-        <p:spPr>
-          <a:xfrm>
-            <a:off x="12632531" y="304800"/>
-            <a:ext cx="4261956" cy="3898899"/>
-          </a:xfrm>
-          <a:prstGeom prst="rect">
-            <a:avLst/>
-          </a:prstGeom>
-          <a:blipFill>
-            <a:blip r:embed="rId2" cstate="print"/>
-            <a:stretch>
-              <a:fillRect l="-68349" r="-33473"/>
-            </a:stretch>
-          </a:blipFill>
-        </p:spPr>
-        <p:txBody>
-          <a:bodyPr wrap="square" lIns="0" tIns="0" rIns="0" bIns="0" rtlCol="0"/>
-          <a:lstStyle/>
-          <a:p>
-            <a:endParaRPr/>
-          </a:p>
-        </p:txBody>
-      </p:sp>
     </p:spTree>
   </p:cSld>
   <p:clrMapOvr>
@@ -9250,7 +9892,7 @@
 </file>
 
 <file path=ppt/slides/slide21.xml><?xml version="1.0" encoding="utf-8"?>
-<p:sld xmlns:a="http://schemas.openxmlformats.org/drawingml/2006/main" xmlns:r="http://schemas.openxmlformats.org/officeDocument/2006/relationships" xmlns:p="http://schemas.openxmlformats.org/presentationml/2006/main" showMasterSp="0">
+<p:sld xmlns:a="http://schemas.openxmlformats.org/drawingml/2006/main" xmlns:r="http://schemas.openxmlformats.org/officeDocument/2006/relationships" xmlns:p="http://schemas.openxmlformats.org/presentationml/2006/main">
   <p:cSld>
     <p:spTree>
       <p:nvGrpSpPr>
@@ -9268,8 +9910,14 @@
       </p:grpSpPr>
       <p:sp>
         <p:nvSpPr>
-          <p:cNvPr id="3" name="object 3"/>
-          <p:cNvSpPr txBox="1">
+          <p:cNvPr id="2" name="Content Placeholder 1">
+            <a:extLst>
+              <a:ext uri="{FF2B5EF4-FFF2-40B4-BE49-F238E27FC236}">
+                <a16:creationId xmlns:a16="http://schemas.microsoft.com/office/drawing/2014/main" id="{E1281BB1-0ECC-1E44-8AD3-9AB0B7759C45}"/>
+              </a:ext>
+            </a:extLst>
+          </p:cNvPr>
+          <p:cNvSpPr>
             <a:spLocks noGrp="1"/>
           </p:cNvSpPr>
           <p:nvPr>
@@ -9278,86 +9926,59 @@
         </p:nvSpPr>
         <p:spPr/>
         <p:txBody>
-          <a:bodyPr>
-            <a:normAutofit/>
-          </a:bodyPr>
-          <a:lstStyle/>
-          <a:p>
-            <a:r>
-              <a:rPr lang="en-US" dirty="0"/>
-              <a:t>Color</a:t>
+          <a:bodyPr/>
+          <a:lstStyle/>
+          <a:p>
+            <a:r>
+              <a:rPr lang="en-US" dirty="0"/>
+              <a:t>Shape</a:t>
             </a:r>
           </a:p>
           <a:p>
             <a:pPr lvl="1"/>
             <a:r>
               <a:rPr lang="en-US" dirty="0"/>
-              <a:t>RGBA</a:t>
+              <a:t>More complex shapes available with:</a:t>
             </a:r>
           </a:p>
           <a:p>
             <a:pPr lvl="1"/>
             <a:r>
-              <a:rPr lang="en-US" dirty="0"/>
-              <a:t>a = alpha / transparency / opacity</a:t>
-            </a:r>
-          </a:p>
-          <a:p>
-            <a:pPr lvl="1"/>
-            <a:r>
-              <a:rPr lang="en-US" dirty="0"/>
-              <a:t>0 = transparent; 255 = opaque (solid)</a:t>
-            </a:r>
-          </a:p>
-          <a:p>
-            <a:pPr lvl="1"/>
+              <a:rPr lang="en-US" u="none" dirty="0">
+                <a:hlinkClick r:id="rId2"/>
+              </a:rPr>
+              <a:t>beginShape()</a:t>
+            </a:r>
+            <a:r>
+              <a:rPr lang="en-US" u="none" dirty="0"/>
+              <a:t> / </a:t>
+            </a:r>
             <a:r>
               <a:rPr lang="en-US" dirty="0">
-                <a:solidFill>
-                  <a:schemeClr val="accent2"/>
-                </a:solidFill>
-                <a:latin typeface="Courier New" charset="0"/>
-                <a:ea typeface="Courier New" charset="0"/>
-                <a:cs typeface="Courier New" charset="0"/>
-              </a:rPr>
-              <a:t>color</a:t>
-            </a:r>
-            <a:r>
-              <a:rPr lang="en-US" dirty="0">
-                <a:latin typeface="Courier New" charset="0"/>
-                <a:ea typeface="Courier New" charset="0"/>
-                <a:cs typeface="Courier New" charset="0"/>
-              </a:rPr>
-              <a:t> c1 = </a:t>
-            </a:r>
-            <a:r>
-              <a:rPr lang="en-US" dirty="0">
-                <a:solidFill>
-                  <a:schemeClr val="accent5"/>
-                </a:solidFill>
-                <a:latin typeface="Courier New" charset="0"/>
-                <a:ea typeface="Courier New" charset="0"/>
-                <a:cs typeface="Courier New" charset="0"/>
-              </a:rPr>
-              <a:t>color</a:t>
-            </a:r>
-            <a:r>
-              <a:rPr lang="en-US" dirty="0">
-                <a:latin typeface="Courier New" charset="0"/>
-                <a:ea typeface="Courier New" charset="0"/>
-                <a:cs typeface="Courier New" charset="0"/>
-              </a:rPr>
-              <a:t>(r, g, b, a);</a:t>
-            </a:r>
-          </a:p>
-        </p:txBody>
-      </p:sp>
-      <p:sp>
-        <p:nvSpPr>
-          <p:cNvPr id="2" name="Content Placeholder 1">
+                <a:hlinkClick r:id="rId3"/>
+              </a:rPr>
+              <a:t>vertex()</a:t>
+            </a:r>
+            <a:r>
+              <a:rPr lang="en-US" dirty="0"/>
+              <a:t> / </a:t>
+            </a:r>
+            <a:r>
+              <a:rPr lang="en-US" u="none" dirty="0">
+                <a:hlinkClick r:id="rId4"/>
+              </a:rPr>
+              <a:t>endShape()</a:t>
+            </a:r>
+            <a:endParaRPr lang="en-US" dirty="0"/>
+          </a:p>
+        </p:txBody>
+      </p:sp>
+      <p:sp>
+        <p:nvSpPr>
+          <p:cNvPr id="3" name="Content Placeholder 2">
             <a:extLst>
               <a:ext uri="{FF2B5EF4-FFF2-40B4-BE49-F238E27FC236}">
-                <a16:creationId xmlns:a16="http://schemas.microsoft.com/office/drawing/2014/main" id="{5A91BA1F-7469-0448-9D89-757BC9A94F3C}"/>
+                <a16:creationId xmlns:a16="http://schemas.microsoft.com/office/drawing/2014/main" id="{FBA252EB-C68C-8140-9951-65007A8CD680}"/>
               </a:ext>
             </a:extLst>
           </p:cNvPr>
@@ -9378,6 +9999,11 @@
         </p:txBody>
       </p:sp>
     </p:spTree>
+    <p:extLst>
+      <p:ext uri="{BB962C8B-B14F-4D97-AF65-F5344CB8AC3E}">
+        <p14:creationId xmlns:p14="http://schemas.microsoft.com/office/powerpoint/2010/main" val="1607768587"/>
+      </p:ext>
+    </p:extLst>
   </p:cSld>
   <p:clrMapOvr>
     <a:masterClrMapping/>
@@ -9404,14 +10030,102 @@
       </p:grpSpPr>
       <p:sp>
         <p:nvSpPr>
-          <p:cNvPr id="3" name="object 3"/>
+          <p:cNvPr id="6" name="Content Placeholder 5"/>
+          <p:cNvSpPr>
+            <a:spLocks noGrp="1"/>
+          </p:cNvSpPr>
+          <p:nvPr>
+            <p:ph sz="half" idx="1"/>
+          </p:nvPr>
+        </p:nvSpPr>
+        <p:spPr/>
+        <p:txBody>
+          <a:bodyPr/>
+          <a:lstStyle/>
+          <a:p>
+            <a:r>
+              <a:rPr lang="en-US" dirty="0"/>
+              <a:t>Color</a:t>
+            </a:r>
+          </a:p>
+          <a:p>
+            <a:pPr lvl="1"/>
+            <a:r>
+              <a:rPr lang="en-US" dirty="0"/>
+              <a:t> luminance (black &amp; white; grayscale)</a:t>
+            </a:r>
+          </a:p>
+          <a:p>
+            <a:pPr lvl="1"/>
+            <a:r>
+              <a:rPr lang="en-US" dirty="0">
+                <a:solidFill>
+                  <a:schemeClr val="accent5"/>
+                </a:solidFill>
+                <a:latin typeface="Courier New" charset="0"/>
+                <a:ea typeface="Courier New" charset="0"/>
+                <a:cs typeface="Courier New" charset="0"/>
+              </a:rPr>
+              <a:t>background</a:t>
+            </a:r>
+            <a:r>
+              <a:rPr lang="en-US" dirty="0">
+                <a:latin typeface="Courier New" charset="0"/>
+                <a:ea typeface="Courier New" charset="0"/>
+                <a:cs typeface="Courier New" charset="0"/>
+              </a:rPr>
+              <a:t>(255); // clear background</a:t>
+            </a:r>
+          </a:p>
+          <a:p>
+            <a:pPr lvl="1"/>
+            <a:endParaRPr lang="en-US" dirty="0"/>
+          </a:p>
+          <a:p>
+            <a:pPr lvl="1"/>
+            <a:endParaRPr lang="en-US" dirty="0"/>
+          </a:p>
+          <a:p>
+            <a:pPr lvl="1"/>
+            <a:endParaRPr lang="en-US" dirty="0"/>
+          </a:p>
+        </p:txBody>
+      </p:sp>
+      <p:sp>
+        <p:nvSpPr>
+          <p:cNvPr id="3" name="Content Placeholder 2">
+            <a:extLst>
+              <a:ext uri="{FF2B5EF4-FFF2-40B4-BE49-F238E27FC236}">
+                <a16:creationId xmlns:a16="http://schemas.microsoft.com/office/drawing/2014/main" id="{E7F2C52C-0A94-9644-AEE3-18F4EFCDFDCC}"/>
+              </a:ext>
+            </a:extLst>
+          </p:cNvPr>
+          <p:cNvSpPr>
+            <a:spLocks noGrp="1"/>
+          </p:cNvSpPr>
+          <p:nvPr>
+            <p:ph sz="half" idx="10"/>
+          </p:nvPr>
+        </p:nvSpPr>
+        <p:spPr/>
+        <p:txBody>
+          <a:bodyPr/>
+          <a:lstStyle/>
+          <a:p>
+            <a:endParaRPr lang="en-US"/>
+          </a:p>
+        </p:txBody>
+      </p:sp>
+      <p:sp>
+        <p:nvSpPr>
+          <p:cNvPr id="2" name="object 2"/>
           <p:cNvSpPr/>
           <p:nvPr/>
         </p:nvSpPr>
         <p:spPr>
           <a:xfrm>
-            <a:off x="9661238" y="2578607"/>
-            <a:ext cx="4888992" cy="5076444"/>
+            <a:off x="3475578" y="5562600"/>
+            <a:ext cx="10389108" cy="2641091"/>
           </a:xfrm>
           <a:prstGeom prst="rect">
             <a:avLst/>
@@ -9428,238 +10142,6 @@
           <a:lstStyle/>
           <a:p>
             <a:endParaRPr/>
-          </a:p>
-        </p:txBody>
-      </p:sp>
-      <p:sp>
-        <p:nvSpPr>
-          <p:cNvPr id="4" name="object 4"/>
-          <p:cNvSpPr txBox="1"/>
-          <p:nvPr/>
-        </p:nvSpPr>
-        <p:spPr>
-          <a:xfrm>
-            <a:off x="4326985" y="2047158"/>
-            <a:ext cx="4777740" cy="6530340"/>
-          </a:xfrm>
-          <a:prstGeom prst="rect">
-            <a:avLst/>
-          </a:prstGeom>
-        </p:spPr>
-        <p:txBody>
-          <a:bodyPr vert="horz" wrap="square" lIns="0" tIns="0" rIns="0" bIns="0" rtlCol="0">
-            <a:spAutoFit/>
-          </a:bodyPr>
-          <a:lstStyle/>
-          <a:p>
-            <a:pPr marL="12700" marR="733425">
-              <a:lnSpc>
-                <a:spcPct val="138900"/>
-              </a:lnSpc>
-            </a:pPr>
-            <a:r>
-              <a:rPr sz="4800" spc="-5" dirty="0">
-                <a:solidFill>
-                  <a:srgbClr val="006699"/>
-                </a:solidFill>
-                <a:latin typeface="Courier New"/>
-                <a:cs typeface="Courier New"/>
-              </a:rPr>
-              <a:t>noStrok</a:t>
-            </a:r>
-            <a:r>
-              <a:rPr sz="4800" dirty="0">
-                <a:solidFill>
-                  <a:srgbClr val="006699"/>
-                </a:solidFill>
-                <a:latin typeface="Courier New"/>
-                <a:cs typeface="Courier New"/>
-              </a:rPr>
-              <a:t>e</a:t>
-            </a:r>
-            <a:r>
-              <a:rPr sz="4800" spc="-5" dirty="0">
-                <a:latin typeface="Courier New"/>
-                <a:cs typeface="Courier New"/>
-              </a:rPr>
-              <a:t>();  </a:t>
-            </a:r>
-            <a:r>
-              <a:rPr sz="4800" spc="-5" dirty="0">
-                <a:solidFill>
-                  <a:srgbClr val="006699"/>
-                </a:solidFill>
-                <a:latin typeface="Courier New"/>
-                <a:cs typeface="Courier New"/>
-              </a:rPr>
-              <a:t>fill</a:t>
-            </a:r>
-            <a:r>
-              <a:rPr sz="4800" spc="-5" dirty="0">
-                <a:latin typeface="Courier New"/>
-                <a:cs typeface="Courier New"/>
-              </a:rPr>
-              <a:t>(c1);  </a:t>
-            </a:r>
-            <a:r>
-              <a:rPr sz="4800" spc="-5" dirty="0">
-                <a:solidFill>
-                  <a:srgbClr val="006699"/>
-                </a:solidFill>
-                <a:latin typeface="Courier New"/>
-                <a:cs typeface="Courier New"/>
-              </a:rPr>
-              <a:t>rect</a:t>
-            </a:r>
-            <a:r>
-              <a:rPr sz="4800" spc="-5" dirty="0">
-                <a:latin typeface="Courier New"/>
-                <a:cs typeface="Courier New"/>
-              </a:rPr>
-              <a:t>(...);</a:t>
-            </a:r>
-            <a:endParaRPr sz="4800">
-              <a:latin typeface="Courier New"/>
-              <a:cs typeface="Courier New"/>
-            </a:endParaRPr>
-          </a:p>
-          <a:p>
-            <a:pPr>
-              <a:spcBef>
-                <a:spcPts val="3"/>
-              </a:spcBef>
-            </a:pPr>
-            <a:endParaRPr sz="5150">
-              <a:latin typeface="Times New Roman"/>
-              <a:cs typeface="Times New Roman"/>
-            </a:endParaRPr>
-          </a:p>
-          <a:p>
-            <a:pPr marL="12700" marR="5080">
-              <a:lnSpc>
-                <a:spcPct val="122000"/>
-              </a:lnSpc>
-            </a:pPr>
-            <a:r>
-              <a:rPr sz="4800" spc="-5" dirty="0">
-                <a:solidFill>
-                  <a:srgbClr val="006699"/>
-                </a:solidFill>
-                <a:latin typeface="Courier New"/>
-                <a:cs typeface="Courier New"/>
-              </a:rPr>
-              <a:t>fill</a:t>
-            </a:r>
-            <a:r>
-              <a:rPr sz="4800" spc="-5" dirty="0">
-                <a:latin typeface="Courier New"/>
-                <a:cs typeface="Courier New"/>
-              </a:rPr>
-              <a:t>(c2);  </a:t>
-            </a:r>
-            <a:r>
-              <a:rPr sz="4800" spc="-5" dirty="0">
-                <a:solidFill>
-                  <a:srgbClr val="006699"/>
-                </a:solidFill>
-                <a:latin typeface="Courier New"/>
-                <a:cs typeface="Courier New"/>
-              </a:rPr>
-              <a:t>stroke</a:t>
-            </a:r>
-            <a:r>
-              <a:rPr sz="4800" spc="-5" dirty="0">
-                <a:latin typeface="Courier New"/>
-                <a:cs typeface="Courier New"/>
-              </a:rPr>
-              <a:t>(c3);  </a:t>
-            </a:r>
-            <a:r>
-              <a:rPr sz="4800" spc="-5" dirty="0">
-                <a:solidFill>
-                  <a:srgbClr val="006699"/>
-                </a:solidFill>
-                <a:latin typeface="Courier New"/>
-                <a:cs typeface="Courier New"/>
-              </a:rPr>
-              <a:t>ellips</a:t>
-            </a:r>
-            <a:r>
-              <a:rPr sz="4800" dirty="0">
-                <a:solidFill>
-                  <a:srgbClr val="006699"/>
-                </a:solidFill>
-                <a:latin typeface="Courier New"/>
-                <a:cs typeface="Courier New"/>
-              </a:rPr>
-              <a:t>e</a:t>
-            </a:r>
-            <a:r>
-              <a:rPr sz="4800" spc="-5" dirty="0">
-                <a:latin typeface="Courier New"/>
-                <a:cs typeface="Courier New"/>
-              </a:rPr>
-              <a:t>(..</a:t>
-            </a:r>
-            <a:r>
-              <a:rPr sz="4800" spc="-25" dirty="0">
-                <a:latin typeface="Courier New"/>
-                <a:cs typeface="Courier New"/>
-              </a:rPr>
-              <a:t>.</a:t>
-            </a:r>
-            <a:r>
-              <a:rPr sz="4800" spc="-5" dirty="0">
-                <a:latin typeface="Courier New"/>
-                <a:cs typeface="Courier New"/>
-              </a:rPr>
-              <a:t>);</a:t>
-            </a:r>
-            <a:endParaRPr sz="4800">
-              <a:latin typeface="Courier New"/>
-              <a:cs typeface="Courier New"/>
-            </a:endParaRPr>
-          </a:p>
-        </p:txBody>
-      </p:sp>
-      <p:sp>
-        <p:nvSpPr>
-          <p:cNvPr id="6" name="Content Placeholder 5"/>
-          <p:cNvSpPr>
-            <a:spLocks noGrp="1"/>
-          </p:cNvSpPr>
-          <p:nvPr>
-            <p:ph sz="half" idx="1"/>
-          </p:nvPr>
-        </p:nvSpPr>
-        <p:spPr/>
-        <p:txBody>
-          <a:bodyPr/>
-          <a:lstStyle/>
-          <a:p>
-            <a:r>
-              <a:rPr lang="en-US" dirty="0"/>
-              <a:t>properties</a:t>
-            </a:r>
-          </a:p>
-        </p:txBody>
-      </p:sp>
-      <p:sp>
-        <p:nvSpPr>
-          <p:cNvPr id="9" name="Content Placeholder 8"/>
-          <p:cNvSpPr>
-            <a:spLocks noGrp="1"/>
-          </p:cNvSpPr>
-          <p:nvPr>
-            <p:ph sz="half" idx="10"/>
-          </p:nvPr>
-        </p:nvSpPr>
-        <p:spPr/>
-        <p:txBody>
-          <a:bodyPr/>
-          <a:lstStyle/>
-          <a:p>
-            <a:endParaRPr lang="en-US"/>
           </a:p>
         </p:txBody>
       </p:sp>
@@ -9690,230 +10172,7 @@
       </p:grpSpPr>
       <p:sp>
         <p:nvSpPr>
-          <p:cNvPr id="6" name="object 6"/>
-          <p:cNvSpPr txBox="1"/>
-          <p:nvPr/>
-        </p:nvSpPr>
-        <p:spPr>
-          <a:xfrm>
-            <a:off x="4098132" y="2578607"/>
-            <a:ext cx="10478329" cy="5339154"/>
-          </a:xfrm>
-          <a:prstGeom prst="rect">
-            <a:avLst/>
-          </a:prstGeom>
-        </p:spPr>
-        <p:txBody>
-          <a:bodyPr vert="horz" wrap="square" lIns="0" tIns="0" rIns="0" bIns="0" rtlCol="0">
-            <a:spAutoFit/>
-          </a:bodyPr>
-          <a:lstStyle/>
-          <a:p>
-            <a:pPr>
-              <a:lnSpc>
-                <a:spcPts val="4765"/>
-              </a:lnSpc>
-            </a:pPr>
-            <a:r>
-              <a:rPr lang="en-US" sz="4800" spc="-5" dirty="0" err="1">
-                <a:solidFill>
-                  <a:srgbClr val="006699"/>
-                </a:solidFill>
-                <a:latin typeface="Courier New"/>
-                <a:cs typeface="Courier New"/>
-              </a:rPr>
-              <a:t>n</a:t>
-            </a:r>
-            <a:r>
-              <a:rPr sz="4800" spc="-5" dirty="0" err="1">
-                <a:solidFill>
-                  <a:srgbClr val="006699"/>
-                </a:solidFill>
-                <a:latin typeface="Courier New"/>
-                <a:cs typeface="Courier New"/>
-              </a:rPr>
-              <a:t>oFill</a:t>
-            </a:r>
-            <a:r>
-              <a:rPr sz="4800" spc="-5" dirty="0">
-                <a:latin typeface="Courier New"/>
-                <a:cs typeface="Courier New"/>
-              </a:rPr>
-              <a:t>();</a:t>
-            </a:r>
-            <a:endParaRPr sz="4800" dirty="0">
-              <a:latin typeface="Courier New"/>
-              <a:cs typeface="Courier New"/>
-            </a:endParaRPr>
-          </a:p>
-          <a:p>
-            <a:pPr marR="5476240">
-              <a:lnSpc>
-                <a:spcPct val="121500"/>
-              </a:lnSpc>
-              <a:spcBef>
-                <a:spcPts val="50"/>
-              </a:spcBef>
-            </a:pPr>
-            <a:r>
-              <a:rPr lang="en-US" sz="4800" spc="-5" dirty="0" err="1">
-                <a:solidFill>
-                  <a:srgbClr val="006699"/>
-                </a:solidFill>
-                <a:latin typeface="Courier New"/>
-                <a:cs typeface="Courier New"/>
-              </a:rPr>
-              <a:t>n</a:t>
-            </a:r>
-            <a:r>
-              <a:rPr sz="4800" spc="-5" dirty="0" err="1">
-                <a:solidFill>
-                  <a:srgbClr val="006699"/>
-                </a:solidFill>
-                <a:latin typeface="Courier New"/>
-                <a:cs typeface="Courier New"/>
-              </a:rPr>
-              <a:t>oStroke</a:t>
-            </a:r>
-            <a:r>
-              <a:rPr sz="4800" spc="-5" dirty="0">
-                <a:latin typeface="Courier New"/>
-                <a:cs typeface="Courier New"/>
-              </a:rPr>
-              <a:t>();  </a:t>
-            </a:r>
-            <a:r>
-              <a:rPr lang="en-US" sz="4800" spc="-5" dirty="0">
-                <a:solidFill>
-                  <a:srgbClr val="006699"/>
-                </a:solidFill>
-                <a:latin typeface="Courier New"/>
-                <a:cs typeface="Courier New"/>
-              </a:rPr>
-              <a:t>el</a:t>
-            </a:r>
-            <a:r>
-              <a:rPr sz="4800" spc="-5" dirty="0">
-                <a:solidFill>
-                  <a:srgbClr val="006699"/>
-                </a:solidFill>
-                <a:latin typeface="Courier New"/>
-                <a:cs typeface="Courier New"/>
-              </a:rPr>
-              <a:t>lips</a:t>
-            </a:r>
-            <a:r>
-              <a:rPr sz="4800" dirty="0">
-                <a:solidFill>
-                  <a:srgbClr val="006699"/>
-                </a:solidFill>
-                <a:latin typeface="Courier New"/>
-                <a:cs typeface="Courier New"/>
-              </a:rPr>
-              <a:t>e</a:t>
-            </a:r>
-            <a:r>
-              <a:rPr sz="4800" spc="-5" dirty="0">
-                <a:latin typeface="Courier New"/>
-                <a:cs typeface="Courier New"/>
-              </a:rPr>
-              <a:t>(..</a:t>
-            </a:r>
-            <a:r>
-              <a:rPr sz="4800" spc="-25" dirty="0">
-                <a:latin typeface="Courier New"/>
-                <a:cs typeface="Courier New"/>
-              </a:rPr>
-              <a:t>.</a:t>
-            </a:r>
-            <a:r>
-              <a:rPr sz="4800" spc="-5" dirty="0">
-                <a:latin typeface="Courier New"/>
-                <a:cs typeface="Courier New"/>
-              </a:rPr>
-              <a:t>);</a:t>
-            </a:r>
-            <a:endParaRPr sz="4800" dirty="0">
-              <a:latin typeface="Courier New"/>
-              <a:cs typeface="Courier New"/>
-            </a:endParaRPr>
-          </a:p>
-          <a:p>
-            <a:pPr>
-              <a:lnSpc>
-                <a:spcPct val="100000"/>
-              </a:lnSpc>
-            </a:pPr>
-            <a:endParaRPr sz="4800" dirty="0">
-              <a:latin typeface="Times New Roman"/>
-              <a:cs typeface="Times New Roman"/>
-            </a:endParaRPr>
-          </a:p>
-          <a:p>
-            <a:pPr>
-              <a:lnSpc>
-                <a:spcPct val="100000"/>
-              </a:lnSpc>
-            </a:pPr>
-            <a:endParaRPr sz="4800" dirty="0">
-              <a:latin typeface="Times New Roman"/>
-              <a:cs typeface="Times New Roman"/>
-            </a:endParaRPr>
-          </a:p>
-          <a:p>
-            <a:pPr>
-              <a:spcBef>
-                <a:spcPts val="30"/>
-              </a:spcBef>
-            </a:pPr>
-            <a:endParaRPr sz="4500" dirty="0">
-              <a:latin typeface="Times New Roman"/>
-              <a:cs typeface="Times New Roman"/>
-            </a:endParaRPr>
-          </a:p>
-          <a:p>
-            <a:pPr>
-              <a:lnSpc>
-                <a:spcPct val="100000"/>
-              </a:lnSpc>
-            </a:pPr>
-            <a:r>
-              <a:rPr lang="en-US" sz="4800" spc="-5" dirty="0" err="1">
-                <a:solidFill>
-                  <a:srgbClr val="006699"/>
-                </a:solidFill>
-                <a:latin typeface="Courier New"/>
-                <a:cs typeface="Courier New"/>
-              </a:rPr>
-              <a:t>re</a:t>
-            </a:r>
-            <a:r>
-              <a:rPr sz="4800" spc="-5" dirty="0" err="1">
-                <a:solidFill>
-                  <a:srgbClr val="006699"/>
-                </a:solidFill>
-                <a:latin typeface="Courier New"/>
-                <a:cs typeface="Courier New"/>
-              </a:rPr>
-              <a:t>ct</a:t>
-            </a:r>
-            <a:r>
-              <a:rPr sz="4800" spc="-5" dirty="0">
-                <a:latin typeface="Courier New"/>
-                <a:cs typeface="Courier New"/>
-              </a:rPr>
-              <a:t>(...);</a:t>
-            </a:r>
-            <a:endParaRPr sz="4800" dirty="0">
-              <a:latin typeface="Courier New"/>
-              <a:cs typeface="Courier New"/>
-            </a:endParaRPr>
-          </a:p>
-        </p:txBody>
-      </p:sp>
-      <p:sp>
-        <p:nvSpPr>
-          <p:cNvPr id="9" name="Content Placeholder 8"/>
+          <p:cNvPr id="7" name="Content Placeholder 6"/>
           <p:cNvSpPr>
             <a:spLocks noGrp="1"/>
           </p:cNvSpPr>
@@ -9923,19 +10182,103 @@
         </p:nvSpPr>
         <p:spPr/>
         <p:txBody>
-          <a:bodyPr/>
-          <a:lstStyle/>
-          <a:p>
-            <a:r>
-              <a:rPr lang="en-US" dirty="0"/>
-              <a:t>properties</a:t>
-            </a:r>
-          </a:p>
-        </p:txBody>
-      </p:sp>
-      <p:sp>
-        <p:nvSpPr>
-          <p:cNvPr id="12" name="Content Placeholder 11"/>
+          <a:bodyPr>
+            <a:normAutofit/>
+          </a:bodyPr>
+          <a:lstStyle/>
+          <a:p>
+            <a:endParaRPr lang="en-US" dirty="0"/>
+          </a:p>
+          <a:p>
+            <a:r>
+              <a:rPr lang="en-US" dirty="0"/>
+              <a:t>Color</a:t>
+            </a:r>
+          </a:p>
+          <a:p>
+            <a:pPr lvl="1"/>
+            <a:r>
+              <a:rPr lang="en-US" dirty="0"/>
+              <a:t>RGB (default)</a:t>
+            </a:r>
+          </a:p>
+          <a:p>
+            <a:pPr lvl="1"/>
+            <a:r>
+              <a:rPr lang="en-US" dirty="0">
+                <a:solidFill>
+                  <a:schemeClr val="accent2"/>
+                </a:solidFill>
+                <a:latin typeface="Courier New" charset="0"/>
+                <a:ea typeface="Courier New" charset="0"/>
+                <a:cs typeface="Courier New" charset="0"/>
+              </a:rPr>
+              <a:t>color </a:t>
+            </a:r>
+            <a:r>
+              <a:rPr lang="en-US" dirty="0">
+                <a:latin typeface="Courier New" charset="0"/>
+                <a:ea typeface="Courier New" charset="0"/>
+                <a:cs typeface="Courier New" charset="0"/>
+              </a:rPr>
+              <a:t>c1 = </a:t>
+            </a:r>
+            <a:r>
+              <a:rPr lang="en-US" dirty="0">
+                <a:solidFill>
+                  <a:schemeClr val="accent5"/>
+                </a:solidFill>
+                <a:latin typeface="Courier New" charset="0"/>
+                <a:ea typeface="Courier New" charset="0"/>
+                <a:cs typeface="Courier New" charset="0"/>
+              </a:rPr>
+              <a:t>color</a:t>
+            </a:r>
+            <a:r>
+              <a:rPr lang="en-US" dirty="0">
+                <a:latin typeface="Courier New" charset="0"/>
+                <a:ea typeface="Courier New" charset="0"/>
+                <a:cs typeface="Courier New" charset="0"/>
+              </a:rPr>
+              <a:t>(r, g, b);</a:t>
+            </a:r>
+          </a:p>
+          <a:p>
+            <a:pPr lvl="1"/>
+            <a:r>
+              <a:rPr lang="en-US" dirty="0">
+                <a:solidFill>
+                  <a:schemeClr val="accent2"/>
+                </a:solidFill>
+                <a:latin typeface="Courier New" charset="0"/>
+                <a:ea typeface="Courier New" charset="0"/>
+                <a:cs typeface="Courier New" charset="0"/>
+              </a:rPr>
+              <a:t>color </a:t>
+            </a:r>
+            <a:r>
+              <a:rPr lang="en-US" dirty="0">
+                <a:latin typeface="Courier New" charset="0"/>
+                <a:ea typeface="Courier New" charset="0"/>
+                <a:cs typeface="Courier New" charset="0"/>
+              </a:rPr>
+              <a:t>c2 = #RRGGBB;</a:t>
+            </a:r>
+          </a:p>
+          <a:p>
+            <a:endParaRPr lang="en-US" dirty="0"/>
+          </a:p>
+        </p:txBody>
+      </p:sp>
+      <p:sp>
+        <p:nvSpPr>
+          <p:cNvPr id="3" name="Content Placeholder 2">
+            <a:extLst>
+              <a:ext uri="{FF2B5EF4-FFF2-40B4-BE49-F238E27FC236}">
+                <a16:creationId xmlns:a16="http://schemas.microsoft.com/office/drawing/2014/main" id="{8A4A7351-D5FF-2A4E-8150-5F6824B0D7C0}"/>
+              </a:ext>
+            </a:extLst>
+          </p:cNvPr>
           <p:cNvSpPr>
             <a:spLocks noGrp="1"/>
           </p:cNvSpPr>
@@ -9949,6 +10292,37 @@
           <a:lstStyle/>
           <a:p>
             <a:endParaRPr lang="en-US"/>
+          </a:p>
+        </p:txBody>
+      </p:sp>
+      <p:sp>
+        <p:nvSpPr>
+          <p:cNvPr id="2" name="object 2"/>
+          <p:cNvSpPr>
+            <a:spLocks noChangeAspect="1"/>
+          </p:cNvSpPr>
+          <p:nvPr/>
+        </p:nvSpPr>
+        <p:spPr>
+          <a:xfrm>
+            <a:off x="12632531" y="304800"/>
+            <a:ext cx="4261956" cy="3898899"/>
+          </a:xfrm>
+          <a:prstGeom prst="rect">
+            <a:avLst/>
+          </a:prstGeom>
+          <a:blipFill>
+            <a:blip r:embed="rId2" cstate="print"/>
+            <a:stretch>
+              <a:fillRect l="-68349" r="-33473"/>
+            </a:stretch>
+          </a:blipFill>
+        </p:spPr>
+        <p:txBody>
+          <a:bodyPr wrap="square" lIns="0" tIns="0" rIns="0" bIns="0" rtlCol="0"/>
+          <a:lstStyle/>
+          <a:p>
+            <a:endParaRPr/>
           </a:p>
         </p:txBody>
       </p:sp>
@@ -9979,6 +10353,832 @@
       </p:grpSpPr>
       <p:sp>
         <p:nvSpPr>
+          <p:cNvPr id="3" name="object 3"/>
+          <p:cNvSpPr txBox="1">
+            <a:spLocks noGrp="1"/>
+          </p:cNvSpPr>
+          <p:nvPr>
+            <p:ph sz="half" idx="1"/>
+          </p:nvPr>
+        </p:nvSpPr>
+        <p:spPr/>
+        <p:txBody>
+          <a:bodyPr>
+            <a:normAutofit/>
+          </a:bodyPr>
+          <a:lstStyle/>
+          <a:p>
+            <a:r>
+              <a:rPr lang="en-US" dirty="0"/>
+              <a:t>Color</a:t>
+            </a:r>
+          </a:p>
+          <a:p>
+            <a:pPr lvl="1"/>
+            <a:r>
+              <a:rPr lang="en-US" dirty="0"/>
+              <a:t>RGBA</a:t>
+            </a:r>
+          </a:p>
+          <a:p>
+            <a:pPr lvl="1"/>
+            <a:r>
+              <a:rPr lang="en-US" dirty="0"/>
+              <a:t>a = alpha / transparency / opacity</a:t>
+            </a:r>
+          </a:p>
+          <a:p>
+            <a:pPr lvl="1"/>
+            <a:r>
+              <a:rPr lang="en-US" dirty="0"/>
+              <a:t>0 = transparent; 255 = opaque (solid)</a:t>
+            </a:r>
+          </a:p>
+          <a:p>
+            <a:pPr lvl="1"/>
+            <a:r>
+              <a:rPr lang="en-US" dirty="0">
+                <a:solidFill>
+                  <a:schemeClr val="accent2"/>
+                </a:solidFill>
+                <a:latin typeface="Courier New" charset="0"/>
+                <a:ea typeface="Courier New" charset="0"/>
+                <a:cs typeface="Courier New" charset="0"/>
+              </a:rPr>
+              <a:t>color</a:t>
+            </a:r>
+            <a:r>
+              <a:rPr lang="en-US" dirty="0">
+                <a:latin typeface="Courier New" charset="0"/>
+                <a:ea typeface="Courier New" charset="0"/>
+                <a:cs typeface="Courier New" charset="0"/>
+              </a:rPr>
+              <a:t> c1 = </a:t>
+            </a:r>
+            <a:r>
+              <a:rPr lang="en-US" dirty="0">
+                <a:solidFill>
+                  <a:schemeClr val="accent5"/>
+                </a:solidFill>
+                <a:latin typeface="Courier New" charset="0"/>
+                <a:ea typeface="Courier New" charset="0"/>
+                <a:cs typeface="Courier New" charset="0"/>
+              </a:rPr>
+              <a:t>color</a:t>
+            </a:r>
+            <a:r>
+              <a:rPr lang="en-US" dirty="0">
+                <a:latin typeface="Courier New" charset="0"/>
+                <a:ea typeface="Courier New" charset="0"/>
+                <a:cs typeface="Courier New" charset="0"/>
+              </a:rPr>
+              <a:t>(r, g, b, a);</a:t>
+            </a:r>
+          </a:p>
+        </p:txBody>
+      </p:sp>
+      <p:sp>
+        <p:nvSpPr>
+          <p:cNvPr id="2" name="Content Placeholder 1">
+            <a:extLst>
+              <a:ext uri="{FF2B5EF4-FFF2-40B4-BE49-F238E27FC236}">
+                <a16:creationId xmlns:a16="http://schemas.microsoft.com/office/drawing/2014/main" id="{5A91BA1F-7469-0448-9D89-757BC9A94F3C}"/>
+              </a:ext>
+            </a:extLst>
+          </p:cNvPr>
+          <p:cNvSpPr>
+            <a:spLocks noGrp="1"/>
+          </p:cNvSpPr>
+          <p:nvPr>
+            <p:ph sz="half" idx="10"/>
+          </p:nvPr>
+        </p:nvSpPr>
+        <p:spPr/>
+        <p:txBody>
+          <a:bodyPr/>
+          <a:lstStyle/>
+          <a:p>
+            <a:endParaRPr lang="en-US"/>
+          </a:p>
+        </p:txBody>
+      </p:sp>
+    </p:spTree>
+  </p:cSld>
+  <p:clrMapOvr>
+    <a:masterClrMapping/>
+  </p:clrMapOvr>
+</p:sld>
+</file>
+
+<file path=ppt/slides/slide25.xml><?xml version="1.0" encoding="utf-8"?>
+<p:sld xmlns:a="http://schemas.openxmlformats.org/drawingml/2006/main" xmlns:r="http://schemas.openxmlformats.org/officeDocument/2006/relationships" xmlns:p="http://schemas.openxmlformats.org/presentationml/2006/main" showMasterSp="0">
+  <p:cSld>
+    <p:spTree>
+      <p:nvGrpSpPr>
+        <p:cNvPr id="1" name=""/>
+        <p:cNvGrpSpPr/>
+        <p:nvPr/>
+      </p:nvGrpSpPr>
+      <p:grpSpPr>
+        <a:xfrm>
+          <a:off x="0" y="0"/>
+          <a:ext cx="0" cy="0"/>
+          <a:chOff x="0" y="0"/>
+          <a:chExt cx="0" cy="0"/>
+        </a:xfrm>
+      </p:grpSpPr>
+      <p:sp>
+        <p:nvSpPr>
+          <p:cNvPr id="3" name="object 3"/>
+          <p:cNvSpPr/>
+          <p:nvPr/>
+        </p:nvSpPr>
+        <p:spPr>
+          <a:xfrm>
+            <a:off x="9661238" y="2578607"/>
+            <a:ext cx="4888992" cy="5076444"/>
+          </a:xfrm>
+          <a:prstGeom prst="rect">
+            <a:avLst/>
+          </a:prstGeom>
+          <a:blipFill>
+            <a:blip r:embed="rId2" cstate="print"/>
+            <a:stretch>
+              <a:fillRect/>
+            </a:stretch>
+          </a:blipFill>
+        </p:spPr>
+        <p:txBody>
+          <a:bodyPr wrap="square" lIns="0" tIns="0" rIns="0" bIns="0" rtlCol="0"/>
+          <a:lstStyle/>
+          <a:p>
+            <a:endParaRPr/>
+          </a:p>
+        </p:txBody>
+      </p:sp>
+      <p:sp>
+        <p:nvSpPr>
+          <p:cNvPr id="4" name="object 4"/>
+          <p:cNvSpPr txBox="1"/>
+          <p:nvPr/>
+        </p:nvSpPr>
+        <p:spPr>
+          <a:xfrm>
+            <a:off x="4326985" y="2047158"/>
+            <a:ext cx="4777740" cy="6530340"/>
+          </a:xfrm>
+          <a:prstGeom prst="rect">
+            <a:avLst/>
+          </a:prstGeom>
+        </p:spPr>
+        <p:txBody>
+          <a:bodyPr vert="horz" wrap="square" lIns="0" tIns="0" rIns="0" bIns="0" rtlCol="0">
+            <a:spAutoFit/>
+          </a:bodyPr>
+          <a:lstStyle/>
+          <a:p>
+            <a:pPr marL="12700" marR="733425">
+              <a:lnSpc>
+                <a:spcPct val="138900"/>
+              </a:lnSpc>
+            </a:pPr>
+            <a:r>
+              <a:rPr sz="4800" spc="-5" dirty="0">
+                <a:solidFill>
+                  <a:srgbClr val="006699"/>
+                </a:solidFill>
+                <a:latin typeface="Courier New"/>
+                <a:cs typeface="Courier New"/>
+              </a:rPr>
+              <a:t>noStrok</a:t>
+            </a:r>
+            <a:r>
+              <a:rPr sz="4800" dirty="0">
+                <a:solidFill>
+                  <a:srgbClr val="006699"/>
+                </a:solidFill>
+                <a:latin typeface="Courier New"/>
+                <a:cs typeface="Courier New"/>
+              </a:rPr>
+              <a:t>e</a:t>
+            </a:r>
+            <a:r>
+              <a:rPr sz="4800" spc="-5" dirty="0">
+                <a:latin typeface="Courier New"/>
+                <a:cs typeface="Courier New"/>
+              </a:rPr>
+              <a:t>();  </a:t>
+            </a:r>
+            <a:r>
+              <a:rPr sz="4800" spc="-5" dirty="0">
+                <a:solidFill>
+                  <a:srgbClr val="006699"/>
+                </a:solidFill>
+                <a:latin typeface="Courier New"/>
+                <a:cs typeface="Courier New"/>
+              </a:rPr>
+              <a:t>fill</a:t>
+            </a:r>
+            <a:r>
+              <a:rPr sz="4800" spc="-5" dirty="0">
+                <a:latin typeface="Courier New"/>
+                <a:cs typeface="Courier New"/>
+              </a:rPr>
+              <a:t>(c1);  </a:t>
+            </a:r>
+            <a:r>
+              <a:rPr sz="4800" spc="-5" dirty="0">
+                <a:solidFill>
+                  <a:srgbClr val="006699"/>
+                </a:solidFill>
+                <a:latin typeface="Courier New"/>
+                <a:cs typeface="Courier New"/>
+              </a:rPr>
+              <a:t>rect</a:t>
+            </a:r>
+            <a:r>
+              <a:rPr sz="4800" spc="-5" dirty="0">
+                <a:latin typeface="Courier New"/>
+                <a:cs typeface="Courier New"/>
+              </a:rPr>
+              <a:t>(...);</a:t>
+            </a:r>
+            <a:endParaRPr sz="4800">
+              <a:latin typeface="Courier New"/>
+              <a:cs typeface="Courier New"/>
+            </a:endParaRPr>
+          </a:p>
+          <a:p>
+            <a:pPr>
+              <a:spcBef>
+                <a:spcPts val="3"/>
+              </a:spcBef>
+            </a:pPr>
+            <a:endParaRPr sz="5150">
+              <a:latin typeface="Times New Roman"/>
+              <a:cs typeface="Times New Roman"/>
+            </a:endParaRPr>
+          </a:p>
+          <a:p>
+            <a:pPr marL="12700" marR="5080">
+              <a:lnSpc>
+                <a:spcPct val="122000"/>
+              </a:lnSpc>
+            </a:pPr>
+            <a:r>
+              <a:rPr sz="4800" spc="-5" dirty="0">
+                <a:solidFill>
+                  <a:srgbClr val="006699"/>
+                </a:solidFill>
+                <a:latin typeface="Courier New"/>
+                <a:cs typeface="Courier New"/>
+              </a:rPr>
+              <a:t>fill</a:t>
+            </a:r>
+            <a:r>
+              <a:rPr sz="4800" spc="-5" dirty="0">
+                <a:latin typeface="Courier New"/>
+                <a:cs typeface="Courier New"/>
+              </a:rPr>
+              <a:t>(c2);  </a:t>
+            </a:r>
+            <a:r>
+              <a:rPr sz="4800" spc="-5" dirty="0">
+                <a:solidFill>
+                  <a:srgbClr val="006699"/>
+                </a:solidFill>
+                <a:latin typeface="Courier New"/>
+                <a:cs typeface="Courier New"/>
+              </a:rPr>
+              <a:t>stroke</a:t>
+            </a:r>
+            <a:r>
+              <a:rPr sz="4800" spc="-5" dirty="0">
+                <a:latin typeface="Courier New"/>
+                <a:cs typeface="Courier New"/>
+              </a:rPr>
+              <a:t>(c3);  </a:t>
+            </a:r>
+            <a:r>
+              <a:rPr sz="4800" spc="-5" dirty="0">
+                <a:solidFill>
+                  <a:srgbClr val="006699"/>
+                </a:solidFill>
+                <a:latin typeface="Courier New"/>
+                <a:cs typeface="Courier New"/>
+              </a:rPr>
+              <a:t>ellips</a:t>
+            </a:r>
+            <a:r>
+              <a:rPr sz="4800" dirty="0">
+                <a:solidFill>
+                  <a:srgbClr val="006699"/>
+                </a:solidFill>
+                <a:latin typeface="Courier New"/>
+                <a:cs typeface="Courier New"/>
+              </a:rPr>
+              <a:t>e</a:t>
+            </a:r>
+            <a:r>
+              <a:rPr sz="4800" spc="-5" dirty="0">
+                <a:latin typeface="Courier New"/>
+                <a:cs typeface="Courier New"/>
+              </a:rPr>
+              <a:t>(..</a:t>
+            </a:r>
+            <a:r>
+              <a:rPr sz="4800" spc="-25" dirty="0">
+                <a:latin typeface="Courier New"/>
+                <a:cs typeface="Courier New"/>
+              </a:rPr>
+              <a:t>.</a:t>
+            </a:r>
+            <a:r>
+              <a:rPr sz="4800" spc="-5" dirty="0">
+                <a:latin typeface="Courier New"/>
+                <a:cs typeface="Courier New"/>
+              </a:rPr>
+              <a:t>);</a:t>
+            </a:r>
+            <a:endParaRPr sz="4800">
+              <a:latin typeface="Courier New"/>
+              <a:cs typeface="Courier New"/>
+            </a:endParaRPr>
+          </a:p>
+        </p:txBody>
+      </p:sp>
+      <p:sp>
+        <p:nvSpPr>
+          <p:cNvPr id="6" name="Content Placeholder 5"/>
+          <p:cNvSpPr>
+            <a:spLocks noGrp="1"/>
+          </p:cNvSpPr>
+          <p:nvPr>
+            <p:ph sz="half" idx="1"/>
+          </p:nvPr>
+        </p:nvSpPr>
+        <p:spPr/>
+        <p:txBody>
+          <a:bodyPr/>
+          <a:lstStyle/>
+          <a:p>
+            <a:r>
+              <a:rPr lang="en-US" dirty="0"/>
+              <a:t>properties</a:t>
+            </a:r>
+          </a:p>
+        </p:txBody>
+      </p:sp>
+      <p:sp>
+        <p:nvSpPr>
+          <p:cNvPr id="9" name="Content Placeholder 8"/>
+          <p:cNvSpPr>
+            <a:spLocks noGrp="1"/>
+          </p:cNvSpPr>
+          <p:nvPr>
+            <p:ph sz="half" idx="10"/>
+          </p:nvPr>
+        </p:nvSpPr>
+        <p:spPr/>
+        <p:txBody>
+          <a:bodyPr/>
+          <a:lstStyle/>
+          <a:p>
+            <a:endParaRPr lang="en-US"/>
+          </a:p>
+        </p:txBody>
+      </p:sp>
+    </p:spTree>
+  </p:cSld>
+  <p:clrMapOvr>
+    <a:masterClrMapping/>
+  </p:clrMapOvr>
+</p:sld>
+</file>
+
+<file path=ppt/slides/slide26.xml><?xml version="1.0" encoding="utf-8"?>
+<p:sld xmlns:a="http://schemas.openxmlformats.org/drawingml/2006/main" xmlns:r="http://schemas.openxmlformats.org/officeDocument/2006/relationships" xmlns:p="http://schemas.openxmlformats.org/presentationml/2006/main" showMasterSp="0">
+  <p:cSld>
+    <p:spTree>
+      <p:nvGrpSpPr>
+        <p:cNvPr id="1" name=""/>
+        <p:cNvGrpSpPr/>
+        <p:nvPr/>
+      </p:nvGrpSpPr>
+      <p:grpSpPr>
+        <a:xfrm>
+          <a:off x="0" y="0"/>
+          <a:ext cx="0" cy="0"/>
+          <a:chOff x="0" y="0"/>
+          <a:chExt cx="0" cy="0"/>
+        </a:xfrm>
+      </p:grpSpPr>
+      <p:sp>
+        <p:nvSpPr>
+          <p:cNvPr id="6" name="object 6"/>
+          <p:cNvSpPr txBox="1"/>
+          <p:nvPr/>
+        </p:nvSpPr>
+        <p:spPr>
+          <a:xfrm>
+            <a:off x="4098132" y="2578607"/>
+            <a:ext cx="10478329" cy="5339154"/>
+          </a:xfrm>
+          <a:prstGeom prst="rect">
+            <a:avLst/>
+          </a:prstGeom>
+        </p:spPr>
+        <p:txBody>
+          <a:bodyPr vert="horz" wrap="square" lIns="0" tIns="0" rIns="0" bIns="0" rtlCol="0">
+            <a:spAutoFit/>
+          </a:bodyPr>
+          <a:lstStyle/>
+          <a:p>
+            <a:pPr>
+              <a:lnSpc>
+                <a:spcPts val="4765"/>
+              </a:lnSpc>
+            </a:pPr>
+            <a:r>
+              <a:rPr lang="en-US" sz="4800" spc="-5" dirty="0" err="1">
+                <a:solidFill>
+                  <a:srgbClr val="006699"/>
+                </a:solidFill>
+                <a:latin typeface="Courier New"/>
+                <a:cs typeface="Courier New"/>
+              </a:rPr>
+              <a:t>n</a:t>
+            </a:r>
+            <a:r>
+              <a:rPr sz="4800" spc="-5" dirty="0" err="1">
+                <a:solidFill>
+                  <a:srgbClr val="006699"/>
+                </a:solidFill>
+                <a:latin typeface="Courier New"/>
+                <a:cs typeface="Courier New"/>
+              </a:rPr>
+              <a:t>oFill</a:t>
+            </a:r>
+            <a:r>
+              <a:rPr sz="4800" spc="-5" dirty="0">
+                <a:latin typeface="Courier New"/>
+                <a:cs typeface="Courier New"/>
+              </a:rPr>
+              <a:t>();</a:t>
+            </a:r>
+            <a:endParaRPr sz="4800" dirty="0">
+              <a:latin typeface="Courier New"/>
+              <a:cs typeface="Courier New"/>
+            </a:endParaRPr>
+          </a:p>
+          <a:p>
+            <a:pPr marR="5476240">
+              <a:lnSpc>
+                <a:spcPct val="121500"/>
+              </a:lnSpc>
+              <a:spcBef>
+                <a:spcPts val="50"/>
+              </a:spcBef>
+            </a:pPr>
+            <a:r>
+              <a:rPr lang="en-US" sz="4800" spc="-5" dirty="0" err="1">
+                <a:solidFill>
+                  <a:srgbClr val="006699"/>
+                </a:solidFill>
+                <a:latin typeface="Courier New"/>
+                <a:cs typeface="Courier New"/>
+              </a:rPr>
+              <a:t>n</a:t>
+            </a:r>
+            <a:r>
+              <a:rPr sz="4800" spc="-5" dirty="0" err="1">
+                <a:solidFill>
+                  <a:srgbClr val="006699"/>
+                </a:solidFill>
+                <a:latin typeface="Courier New"/>
+                <a:cs typeface="Courier New"/>
+              </a:rPr>
+              <a:t>oStroke</a:t>
+            </a:r>
+            <a:r>
+              <a:rPr sz="4800" spc="-5" dirty="0">
+                <a:latin typeface="Courier New"/>
+                <a:cs typeface="Courier New"/>
+              </a:rPr>
+              <a:t>();  </a:t>
+            </a:r>
+            <a:r>
+              <a:rPr lang="en-US" sz="4800" spc="-5" dirty="0">
+                <a:solidFill>
+                  <a:srgbClr val="006699"/>
+                </a:solidFill>
+                <a:latin typeface="Courier New"/>
+                <a:cs typeface="Courier New"/>
+              </a:rPr>
+              <a:t>el</a:t>
+            </a:r>
+            <a:r>
+              <a:rPr sz="4800" spc="-5" dirty="0">
+                <a:solidFill>
+                  <a:srgbClr val="006699"/>
+                </a:solidFill>
+                <a:latin typeface="Courier New"/>
+                <a:cs typeface="Courier New"/>
+              </a:rPr>
+              <a:t>lips</a:t>
+            </a:r>
+            <a:r>
+              <a:rPr sz="4800" dirty="0">
+                <a:solidFill>
+                  <a:srgbClr val="006699"/>
+                </a:solidFill>
+                <a:latin typeface="Courier New"/>
+                <a:cs typeface="Courier New"/>
+              </a:rPr>
+              <a:t>e</a:t>
+            </a:r>
+            <a:r>
+              <a:rPr sz="4800" spc="-5" dirty="0">
+                <a:latin typeface="Courier New"/>
+                <a:cs typeface="Courier New"/>
+              </a:rPr>
+              <a:t>(..</a:t>
+            </a:r>
+            <a:r>
+              <a:rPr sz="4800" spc="-25" dirty="0">
+                <a:latin typeface="Courier New"/>
+                <a:cs typeface="Courier New"/>
+              </a:rPr>
+              <a:t>.</a:t>
+            </a:r>
+            <a:r>
+              <a:rPr sz="4800" spc="-5" dirty="0">
+                <a:latin typeface="Courier New"/>
+                <a:cs typeface="Courier New"/>
+              </a:rPr>
+              <a:t>);</a:t>
+            </a:r>
+            <a:endParaRPr sz="4800" dirty="0">
+              <a:latin typeface="Courier New"/>
+              <a:cs typeface="Courier New"/>
+            </a:endParaRPr>
+          </a:p>
+          <a:p>
+            <a:pPr>
+              <a:lnSpc>
+                <a:spcPct val="100000"/>
+              </a:lnSpc>
+            </a:pPr>
+            <a:endParaRPr sz="4800" dirty="0">
+              <a:latin typeface="Times New Roman"/>
+              <a:cs typeface="Times New Roman"/>
+            </a:endParaRPr>
+          </a:p>
+          <a:p>
+            <a:pPr>
+              <a:lnSpc>
+                <a:spcPct val="100000"/>
+              </a:lnSpc>
+            </a:pPr>
+            <a:endParaRPr sz="4800" dirty="0">
+              <a:latin typeface="Times New Roman"/>
+              <a:cs typeface="Times New Roman"/>
+            </a:endParaRPr>
+          </a:p>
+          <a:p>
+            <a:pPr>
+              <a:spcBef>
+                <a:spcPts val="30"/>
+              </a:spcBef>
+            </a:pPr>
+            <a:endParaRPr sz="4500" dirty="0">
+              <a:latin typeface="Times New Roman"/>
+              <a:cs typeface="Times New Roman"/>
+            </a:endParaRPr>
+          </a:p>
+          <a:p>
+            <a:pPr>
+              <a:lnSpc>
+                <a:spcPct val="100000"/>
+              </a:lnSpc>
+            </a:pPr>
+            <a:r>
+              <a:rPr lang="en-US" sz="4800" spc="-5" dirty="0" err="1">
+                <a:solidFill>
+                  <a:srgbClr val="006699"/>
+                </a:solidFill>
+                <a:latin typeface="Courier New"/>
+                <a:cs typeface="Courier New"/>
+              </a:rPr>
+              <a:t>re</a:t>
+            </a:r>
+            <a:r>
+              <a:rPr sz="4800" spc="-5" dirty="0" err="1">
+                <a:solidFill>
+                  <a:srgbClr val="006699"/>
+                </a:solidFill>
+                <a:latin typeface="Courier New"/>
+                <a:cs typeface="Courier New"/>
+              </a:rPr>
+              <a:t>ct</a:t>
+            </a:r>
+            <a:r>
+              <a:rPr sz="4800" spc="-5" dirty="0">
+                <a:latin typeface="Courier New"/>
+                <a:cs typeface="Courier New"/>
+              </a:rPr>
+              <a:t>(...);</a:t>
+            </a:r>
+            <a:endParaRPr sz="4800" dirty="0">
+              <a:latin typeface="Courier New"/>
+              <a:cs typeface="Courier New"/>
+            </a:endParaRPr>
+          </a:p>
+        </p:txBody>
+      </p:sp>
+      <p:sp>
+        <p:nvSpPr>
+          <p:cNvPr id="9" name="Content Placeholder 8"/>
+          <p:cNvSpPr>
+            <a:spLocks noGrp="1"/>
+          </p:cNvSpPr>
+          <p:nvPr>
+            <p:ph sz="half" idx="1"/>
+          </p:nvPr>
+        </p:nvSpPr>
+        <p:spPr/>
+        <p:txBody>
+          <a:bodyPr/>
+          <a:lstStyle/>
+          <a:p>
+            <a:r>
+              <a:rPr lang="en-US" dirty="0"/>
+              <a:t>properties</a:t>
+            </a:r>
+          </a:p>
+        </p:txBody>
+      </p:sp>
+      <p:sp>
+        <p:nvSpPr>
+          <p:cNvPr id="12" name="Content Placeholder 11"/>
+          <p:cNvSpPr>
+            <a:spLocks noGrp="1"/>
+          </p:cNvSpPr>
+          <p:nvPr>
+            <p:ph sz="half" idx="10"/>
+          </p:nvPr>
+        </p:nvSpPr>
+        <p:spPr/>
+        <p:txBody>
+          <a:bodyPr/>
+          <a:lstStyle/>
+          <a:p>
+            <a:endParaRPr lang="en-US"/>
+          </a:p>
+        </p:txBody>
+      </p:sp>
+    </p:spTree>
+  </p:cSld>
+  <p:clrMapOvr>
+    <a:masterClrMapping/>
+  </p:clrMapOvr>
+</p:sld>
+</file>
+
+<file path=ppt/slides/slide27.xml><?xml version="1.0" encoding="utf-8"?>
+<p:sld xmlns:a="http://schemas.openxmlformats.org/drawingml/2006/main" xmlns:r="http://schemas.openxmlformats.org/officeDocument/2006/relationships" xmlns:p="http://schemas.openxmlformats.org/presentationml/2006/main">
+  <p:cSld>
+    <p:spTree>
+      <p:nvGrpSpPr>
+        <p:cNvPr id="1" name=""/>
+        <p:cNvGrpSpPr/>
+        <p:nvPr/>
+      </p:nvGrpSpPr>
+      <p:grpSpPr>
+        <a:xfrm>
+          <a:off x="0" y="0"/>
+          <a:ext cx="0" cy="0"/>
+          <a:chOff x="0" y="0"/>
+          <a:chExt cx="0" cy="0"/>
+        </a:xfrm>
+      </p:grpSpPr>
+      <p:sp>
+        <p:nvSpPr>
+          <p:cNvPr id="4" name="Content Placeholder 3">
+            <a:extLst>
+              <a:ext uri="{FF2B5EF4-FFF2-40B4-BE49-F238E27FC236}">
+                <a16:creationId xmlns:a16="http://schemas.microsoft.com/office/drawing/2014/main" id="{DA85A5CF-FF73-6847-AFC4-FE3C316707E6}"/>
+              </a:ext>
+            </a:extLst>
+          </p:cNvPr>
+          <p:cNvSpPr>
+            <a:spLocks noGrp="1"/>
+          </p:cNvSpPr>
+          <p:nvPr>
+            <p:ph sz="half" idx="1"/>
+          </p:nvPr>
+        </p:nvSpPr>
+        <p:spPr/>
+        <p:txBody>
+          <a:bodyPr/>
+          <a:lstStyle/>
+          <a:p>
+            <a:r>
+              <a:rPr lang="en-US" dirty="0"/>
+              <a:t>Properties</a:t>
+            </a:r>
+          </a:p>
+          <a:p>
+            <a:endParaRPr lang="en-US" dirty="0"/>
+          </a:p>
+          <a:p>
+            <a:pPr lvl="1"/>
+            <a:r>
+              <a:rPr lang="en-US" dirty="0"/>
+              <a:t>Graphics is a STATE MACHINE.</a:t>
+            </a:r>
+          </a:p>
+          <a:p>
+            <a:pPr lvl="1"/>
+            <a:endParaRPr lang="en-US" dirty="0"/>
+          </a:p>
+          <a:p>
+            <a:pPr lvl="1"/>
+            <a:r>
+              <a:rPr lang="en-US" dirty="0"/>
+              <a:t>When you set a state (no matter where in the code), that state will remain until changed</a:t>
+            </a:r>
+          </a:p>
+          <a:p>
+            <a:pPr lvl="1"/>
+            <a:endParaRPr lang="en-US" dirty="0"/>
+          </a:p>
+          <a:p>
+            <a:pPr lvl="1"/>
+            <a:r>
+              <a:rPr lang="en-US" dirty="0"/>
+              <a:t>This is particularly noticeable with color</a:t>
+            </a:r>
+          </a:p>
+        </p:txBody>
+      </p:sp>
+      <p:sp>
+        <p:nvSpPr>
+          <p:cNvPr id="5" name="Content Placeholder 4">
+            <a:extLst>
+              <a:ext uri="{FF2B5EF4-FFF2-40B4-BE49-F238E27FC236}">
+                <a16:creationId xmlns:a16="http://schemas.microsoft.com/office/drawing/2014/main" id="{872E5B04-FD8A-EF44-824E-2D2602C70095}"/>
+              </a:ext>
+            </a:extLst>
+          </p:cNvPr>
+          <p:cNvSpPr>
+            <a:spLocks noGrp="1"/>
+          </p:cNvSpPr>
+          <p:nvPr>
+            <p:ph sz="half" idx="10"/>
+          </p:nvPr>
+        </p:nvSpPr>
+        <p:spPr/>
+        <p:txBody>
+          <a:bodyPr/>
+          <a:lstStyle/>
+          <a:p>
+            <a:endParaRPr lang="en-US"/>
+          </a:p>
+        </p:txBody>
+      </p:sp>
+    </p:spTree>
+    <p:extLst>
+      <p:ext uri="{BB962C8B-B14F-4D97-AF65-F5344CB8AC3E}">
+        <p14:creationId xmlns:p14="http://schemas.microsoft.com/office/powerpoint/2010/main" val="4115413092"/>
+      </p:ext>
+    </p:extLst>
+  </p:cSld>
+  <p:clrMapOvr>
+    <a:masterClrMapping/>
+  </p:clrMapOvr>
+</p:sld>
+</file>
+
+<file path=ppt/slides/slide28.xml><?xml version="1.0" encoding="utf-8"?>
+<p:sld xmlns:a="http://schemas.openxmlformats.org/drawingml/2006/main" xmlns:r="http://schemas.openxmlformats.org/officeDocument/2006/relationships" xmlns:p="http://schemas.openxmlformats.org/presentationml/2006/main" showMasterSp="0">
+  <p:cSld>
+    <p:spTree>
+      <p:nvGrpSpPr>
+        <p:cNvPr id="1" name=""/>
+        <p:cNvGrpSpPr/>
+        <p:nvPr/>
+      </p:nvGrpSpPr>
+      <p:grpSpPr>
+        <a:xfrm>
+          <a:off x="0" y="0"/>
+          <a:ext cx="0" cy="0"/>
+          <a:chOff x="0" y="0"/>
+          <a:chExt cx="0" cy="0"/>
+        </a:xfrm>
+      </p:grpSpPr>
+      <p:sp>
+        <p:nvSpPr>
           <p:cNvPr id="6" name="Content Placeholder 5"/>
           <p:cNvSpPr>
             <a:spLocks noGrp="1"/>
@@ -10076,7 +11276,7 @@
 </p:sld>
 </file>
 
-<file path=ppt/slides/slide25.xml><?xml version="1.0" encoding="utf-8"?>
+<file path=ppt/slides/slide29.xml><?xml version="1.0" encoding="utf-8"?>
 <p:sld xmlns:a="http://schemas.openxmlformats.org/drawingml/2006/main" xmlns:r="http://schemas.openxmlformats.org/officeDocument/2006/relationships" xmlns:p="http://schemas.openxmlformats.org/presentationml/2006/main">
   <p:cSld>
     <p:spTree>
@@ -10486,8 +11686,8 @@
         </p:nvSpPr>
         <p:spPr>
           <a:xfrm>
-            <a:off x="8369651" y="2439416"/>
-            <a:ext cx="3636645" cy="1018540"/>
+            <a:off x="8369652" y="2439416"/>
+            <a:ext cx="3043680" cy="1018540"/>
           </a:xfrm>
           <a:custGeom>
             <a:avLst/>
@@ -10612,7 +11812,7 @@
         <p:spPr>
           <a:xfrm>
             <a:off x="7872827" y="5197729"/>
-            <a:ext cx="4562475" cy="1171575"/>
+            <a:ext cx="3819337" cy="1171575"/>
           </a:xfrm>
           <a:custGeom>
             <a:avLst/>
@@ -10736,7 +11936,7 @@
         </p:nvSpPr>
         <p:spPr>
           <a:xfrm>
-            <a:off x="12170251" y="2087372"/>
+            <a:off x="11636851" y="2087372"/>
             <a:ext cx="2367280" cy="647700"/>
           </a:xfrm>
           <a:prstGeom prst="rect">
@@ -10795,8 +11995,8 @@
         </p:nvSpPr>
         <p:spPr>
           <a:xfrm>
-            <a:off x="12467177" y="4868926"/>
-            <a:ext cx="1507490" cy="647700"/>
+            <a:off x="11946731" y="4868926"/>
+            <a:ext cx="5346954" cy="646331"/>
           </a:xfrm>
           <a:prstGeom prst="rect">
             <a:avLst/>
@@ -10809,6 +12009,16 @@
           <a:lstStyle/>
           <a:p>
             <a:pPr marL="12700"/>
+            <a:r>
+              <a:rPr lang="en-US" sz="4200" spc="-5" dirty="0">
+                <a:solidFill>
+                  <a:srgbClr val="57509B"/>
+                </a:solidFill>
+                <a:latin typeface="Arial"/>
+                <a:cs typeface="Arial"/>
+              </a:rPr>
+              <a:t>C</a:t>
+            </a:r>
             <a:r>
               <a:rPr sz="4200" spc="-5" dirty="0">
                 <a:solidFill>
@@ -10817,9 +12027,19 @@
                 <a:latin typeface="Arial"/>
                 <a:cs typeface="Arial"/>
               </a:rPr>
-              <a:t>cycles</a:t>
-            </a:r>
-            <a:endParaRPr sz="4200">
+              <a:t>ycles</a:t>
+            </a:r>
+            <a:r>
+              <a:rPr lang="en-US" sz="4200" spc="-5" dirty="0">
+                <a:solidFill>
+                  <a:srgbClr val="57509B"/>
+                </a:solidFill>
+                <a:latin typeface="Arial"/>
+                <a:cs typeface="Arial"/>
+              </a:rPr>
+              <a:t> (automatically)</a:t>
+            </a:r>
+            <a:endParaRPr sz="4200" dirty="0">
               <a:latin typeface="Arial"/>
               <a:cs typeface="Arial"/>
             </a:endParaRPr>
@@ -10834,7 +12054,7 @@
         </p:nvSpPr>
         <p:spPr>
           <a:xfrm>
-            <a:off x="12961461" y="2794761"/>
+            <a:off x="12428061" y="2794761"/>
             <a:ext cx="494030" cy="2018030"/>
           </a:xfrm>
           <a:custGeom>
@@ -10956,7 +12176,7 @@
         </p:nvSpPr>
         <p:spPr>
           <a:xfrm>
-            <a:off x="12447874" y="5685790"/>
+            <a:off x="11914474" y="5685790"/>
             <a:ext cx="494030" cy="3305810"/>
           </a:xfrm>
           <a:custGeom>
@@ -11078,7 +12298,7 @@
         </p:nvSpPr>
         <p:spPr>
           <a:xfrm>
-            <a:off x="13479622" y="5896102"/>
+            <a:off x="12946222" y="5896102"/>
             <a:ext cx="494030" cy="3092450"/>
           </a:xfrm>
           <a:custGeom>
@@ -11205,7 +12425,7 @@
 </p:sld>
 </file>
 
-<file path=ppt/slides/slide26.xml><?xml version="1.0" encoding="utf-8"?>
+<file path=ppt/slides/slide3.xml><?xml version="1.0" encoding="utf-8"?>
 <p:sld xmlns:a="http://schemas.openxmlformats.org/drawingml/2006/main" xmlns:r="http://schemas.openxmlformats.org/officeDocument/2006/relationships" xmlns:p="http://schemas.openxmlformats.org/presentationml/2006/main" showMasterSp="0">
   <p:cSld>
     <p:spTree>
@@ -11224,6 +12444,152 @@
       </p:grpSpPr>
       <p:sp>
         <p:nvSpPr>
+          <p:cNvPr id="6" name="Content Placeholder 5"/>
+          <p:cNvSpPr>
+            <a:spLocks noGrp="1"/>
+          </p:cNvSpPr>
+          <p:nvPr>
+            <p:ph sz="half" idx="1"/>
+          </p:nvPr>
+        </p:nvSpPr>
+        <p:spPr/>
+        <p:txBody>
+          <a:bodyPr/>
+          <a:lstStyle/>
+          <a:p>
+            <a:r>
+              <a:rPr lang="en-US" dirty="0"/>
+              <a:t>what is it?</a:t>
+            </a:r>
+          </a:p>
+          <a:p>
+            <a:pPr lvl="1"/>
+            <a:r>
+              <a:rPr lang="en-US" dirty="0"/>
+              <a:t>Processing API</a:t>
+            </a:r>
+          </a:p>
+          <a:p>
+            <a:endParaRPr lang="en-US" dirty="0"/>
+          </a:p>
+        </p:txBody>
+      </p:sp>
+      <p:sp>
+        <p:nvSpPr>
+          <p:cNvPr id="10" name="Content Placeholder 9"/>
+          <p:cNvSpPr>
+            <a:spLocks noGrp="1"/>
+          </p:cNvSpPr>
+          <p:nvPr>
+            <p:ph sz="half" idx="10"/>
+          </p:nvPr>
+        </p:nvSpPr>
+        <p:spPr/>
+        <p:txBody>
+          <a:bodyPr/>
+          <a:lstStyle/>
+          <a:p>
+            <a:endParaRPr lang="en-US"/>
+          </a:p>
+        </p:txBody>
+      </p:sp>
+      <p:sp>
+        <p:nvSpPr>
+          <p:cNvPr id="5" name="object 5"/>
+          <p:cNvSpPr txBox="1">
+            <a:spLocks noGrp="1"/>
+          </p:cNvSpPr>
+          <p:nvPr>
+            <p:ph type="sldNum" sz="quarter" idx="4294967295"/>
+          </p:nvPr>
+        </p:nvSpPr>
+        <p:spPr>
+          <a:xfrm>
+            <a:off x="0" y="9283700"/>
+            <a:ext cx="406400" cy="244475"/>
+          </a:xfrm>
+          <a:prstGeom prst="rect">
+            <a:avLst/>
+          </a:prstGeom>
+        </p:spPr>
+        <p:txBody>
+          <a:bodyPr vert="horz" wrap="square" lIns="0" tIns="0" rIns="0" bIns="0" rtlCol="0">
+            <a:spAutoFit/>
+          </a:bodyPr>
+          <a:lstStyle/>
+          <a:p>
+            <a:pPr marL="25400">
+              <a:lnSpc>
+                <a:spcPts val="1920"/>
+              </a:lnSpc>
+            </a:pPr>
+            <a:r>
+              <a:rPr spc="-5" dirty="0">
+                <a:solidFill>
+                  <a:srgbClr val="FFFFFF"/>
+                </a:solidFill>
+              </a:rPr>
+              <a:t>20</a:t>
+            </a:r>
+          </a:p>
+        </p:txBody>
+      </p:sp>
+      <p:sp>
+        <p:nvSpPr>
+          <p:cNvPr id="4" name="object 4"/>
+          <p:cNvSpPr/>
+          <p:nvPr/>
+        </p:nvSpPr>
+        <p:spPr>
+          <a:xfrm>
+            <a:off x="7641939" y="2645664"/>
+            <a:ext cx="7213092" cy="5952744"/>
+          </a:xfrm>
+          <a:prstGeom prst="rect">
+            <a:avLst/>
+          </a:prstGeom>
+          <a:blipFill>
+            <a:blip r:embed="rId2" cstate="print"/>
+            <a:stretch>
+              <a:fillRect/>
+            </a:stretch>
+          </a:blipFill>
+        </p:spPr>
+        <p:txBody>
+          <a:bodyPr wrap="square" lIns="0" tIns="0" rIns="0" bIns="0" rtlCol="0"/>
+          <a:lstStyle/>
+          <a:p>
+            <a:endParaRPr/>
+          </a:p>
+        </p:txBody>
+      </p:sp>
+    </p:spTree>
+  </p:cSld>
+  <p:clrMapOvr>
+    <a:masterClrMapping/>
+  </p:clrMapOvr>
+</p:sld>
+</file>
+
+<file path=ppt/slides/slide30.xml><?xml version="1.0" encoding="utf-8"?>
+<p:sld xmlns:a="http://schemas.openxmlformats.org/drawingml/2006/main" xmlns:r="http://schemas.openxmlformats.org/officeDocument/2006/relationships" xmlns:p="http://schemas.openxmlformats.org/presentationml/2006/main" showMasterSp="0">
+  <p:cSld>
+    <p:spTree>
+      <p:nvGrpSpPr>
+        <p:cNvPr id="1" name=""/>
+        <p:cNvGrpSpPr/>
+        <p:nvPr/>
+      </p:nvGrpSpPr>
+      <p:grpSpPr>
+        <a:xfrm>
+          <a:off x="0" y="0"/>
+          <a:ext cx="0" cy="0"/>
+          <a:chOff x="0" y="0"/>
+          <a:chExt cx="0" cy="0"/>
+        </a:xfrm>
+      </p:grpSpPr>
+      <p:sp>
+        <p:nvSpPr>
           <p:cNvPr id="13" name="Content Placeholder 12"/>
           <p:cNvSpPr>
             <a:spLocks noGrp="1"/>
@@ -11259,7 +12625,10 @@
           <a:bodyPr/>
           <a:lstStyle/>
           <a:p>
-            <a:endParaRPr lang="en-US"/>
+            <a:r>
+              <a:rPr lang="en-US" dirty="0"/>
+              <a:t>There is some extra code provided for RHC </a:t>
+            </a:r>
           </a:p>
         </p:txBody>
       </p:sp>
@@ -11854,7 +13223,7 @@
 </p:sld>
 </file>
 
-<file path=ppt/slides/slide27.xml><?xml version="1.0" encoding="utf-8"?>
+<file path=ppt/slides/slide31.xml><?xml version="1.0" encoding="utf-8"?>
 <p:sld xmlns:a="http://schemas.openxmlformats.org/drawingml/2006/main" xmlns:r="http://schemas.openxmlformats.org/officeDocument/2006/relationships" xmlns:p="http://schemas.openxmlformats.org/presentationml/2006/main">
   <p:cSld>
     <p:spTree>
@@ -11927,7 +13296,7 @@
 </p:sld>
 </file>
 
-<file path=ppt/slides/slide28.xml><?xml version="1.0" encoding="utf-8"?>
+<file path=ppt/slides/slide32.xml><?xml version="1.0" encoding="utf-8"?>
 <p:sld xmlns:a="http://schemas.openxmlformats.org/drawingml/2006/main" xmlns:r="http://schemas.openxmlformats.org/officeDocument/2006/relationships" xmlns:p="http://schemas.openxmlformats.org/presentationml/2006/main">
   <p:cSld>
     <p:spTree>
@@ -12011,7 +13380,7 @@
 </p:sld>
 </file>
 
-<file path=ppt/slides/slide29.xml><?xml version="1.0" encoding="utf-8"?>
+<file path=ppt/slides/slide33.xml><?xml version="1.0" encoding="utf-8"?>
 <p:sld xmlns:a="http://schemas.openxmlformats.org/drawingml/2006/main" xmlns:r="http://schemas.openxmlformats.org/officeDocument/2006/relationships" xmlns:p="http://schemas.openxmlformats.org/presentationml/2006/main">
   <p:cSld>
     <p:spTree>
@@ -12532,153 +13901,7 @@
 </p:sld>
 </file>
 
-<file path=ppt/slides/slide3.xml><?xml version="1.0" encoding="utf-8"?>
-<p:sld xmlns:a="http://schemas.openxmlformats.org/drawingml/2006/main" xmlns:r="http://schemas.openxmlformats.org/officeDocument/2006/relationships" xmlns:p="http://schemas.openxmlformats.org/presentationml/2006/main" showMasterSp="0">
-  <p:cSld>
-    <p:spTree>
-      <p:nvGrpSpPr>
-        <p:cNvPr id="1" name=""/>
-        <p:cNvGrpSpPr/>
-        <p:nvPr/>
-      </p:nvGrpSpPr>
-      <p:grpSpPr>
-        <a:xfrm>
-          <a:off x="0" y="0"/>
-          <a:ext cx="0" cy="0"/>
-          <a:chOff x="0" y="0"/>
-          <a:chExt cx="0" cy="0"/>
-        </a:xfrm>
-      </p:grpSpPr>
-      <p:sp>
-        <p:nvSpPr>
-          <p:cNvPr id="6" name="Content Placeholder 5"/>
-          <p:cNvSpPr>
-            <a:spLocks noGrp="1"/>
-          </p:cNvSpPr>
-          <p:nvPr>
-            <p:ph sz="half" idx="1"/>
-          </p:nvPr>
-        </p:nvSpPr>
-        <p:spPr/>
-        <p:txBody>
-          <a:bodyPr/>
-          <a:lstStyle/>
-          <a:p>
-            <a:r>
-              <a:rPr lang="en-US" dirty="0"/>
-              <a:t>what is it?</a:t>
-            </a:r>
-          </a:p>
-          <a:p>
-            <a:pPr lvl="1"/>
-            <a:r>
-              <a:rPr lang="en-US" dirty="0"/>
-              <a:t>Processing API</a:t>
-            </a:r>
-          </a:p>
-          <a:p>
-            <a:endParaRPr lang="en-US" dirty="0"/>
-          </a:p>
-        </p:txBody>
-      </p:sp>
-      <p:sp>
-        <p:nvSpPr>
-          <p:cNvPr id="10" name="Content Placeholder 9"/>
-          <p:cNvSpPr>
-            <a:spLocks noGrp="1"/>
-          </p:cNvSpPr>
-          <p:nvPr>
-            <p:ph sz="half" idx="10"/>
-          </p:nvPr>
-        </p:nvSpPr>
-        <p:spPr/>
-        <p:txBody>
-          <a:bodyPr/>
-          <a:lstStyle/>
-          <a:p>
-            <a:endParaRPr lang="en-US"/>
-          </a:p>
-        </p:txBody>
-      </p:sp>
-      <p:sp>
-        <p:nvSpPr>
-          <p:cNvPr id="5" name="object 5"/>
-          <p:cNvSpPr txBox="1">
-            <a:spLocks noGrp="1"/>
-          </p:cNvSpPr>
-          <p:nvPr>
-            <p:ph type="sldNum" sz="quarter" idx="4294967295"/>
-          </p:nvPr>
-        </p:nvSpPr>
-        <p:spPr>
-          <a:xfrm>
-            <a:off x="0" y="9283700"/>
-            <a:ext cx="406400" cy="244475"/>
-          </a:xfrm>
-          <a:prstGeom prst="rect">
-            <a:avLst/>
-          </a:prstGeom>
-        </p:spPr>
-        <p:txBody>
-          <a:bodyPr vert="horz" wrap="square" lIns="0" tIns="0" rIns="0" bIns="0" rtlCol="0">
-            <a:spAutoFit/>
-          </a:bodyPr>
-          <a:lstStyle/>
-          <a:p>
-            <a:pPr marL="25400">
-              <a:lnSpc>
-                <a:spcPts val="1920"/>
-              </a:lnSpc>
-            </a:pPr>
-            <a:r>
-              <a:rPr spc="-5" dirty="0">
-                <a:solidFill>
-                  <a:srgbClr val="FFFFFF"/>
-                </a:solidFill>
-              </a:rPr>
-              <a:t>20</a:t>
-            </a:r>
-          </a:p>
-        </p:txBody>
-      </p:sp>
-      <p:sp>
-        <p:nvSpPr>
-          <p:cNvPr id="4" name="object 4"/>
-          <p:cNvSpPr/>
-          <p:nvPr/>
-        </p:nvSpPr>
-        <p:spPr>
-          <a:xfrm>
-            <a:off x="7641939" y="2645664"/>
-            <a:ext cx="7213092" cy="5952744"/>
-          </a:xfrm>
-          <a:prstGeom prst="rect">
-            <a:avLst/>
-          </a:prstGeom>
-          <a:blipFill>
-            <a:blip r:embed="rId2" cstate="print"/>
-            <a:stretch>
-              <a:fillRect/>
-            </a:stretch>
-          </a:blipFill>
-        </p:spPr>
-        <p:txBody>
-          <a:bodyPr wrap="square" lIns="0" tIns="0" rIns="0" bIns="0" rtlCol="0"/>
-          <a:lstStyle/>
-          <a:p>
-            <a:endParaRPr/>
-          </a:p>
-        </p:txBody>
-      </p:sp>
-    </p:spTree>
-  </p:cSld>
-  <p:clrMapOvr>
-    <a:masterClrMapping/>
-  </p:clrMapOvr>
-</p:sld>
-</file>
-
-<file path=ppt/slides/slide30.xml><?xml version="1.0" encoding="utf-8"?>
+<file path=ppt/slides/slide34.xml><?xml version="1.0" encoding="utf-8"?>
 <p:sld xmlns:a="http://schemas.openxmlformats.org/drawingml/2006/main" xmlns:r="http://schemas.openxmlformats.org/officeDocument/2006/relationships" xmlns:p="http://schemas.openxmlformats.org/presentationml/2006/main">
   <p:cSld>
     <p:spTree>
@@ -12854,7 +14077,7 @@
 </p:sld>
 </file>
 
-<file path=ppt/slides/slide31.xml><?xml version="1.0" encoding="utf-8"?>
+<file path=ppt/slides/slide35.xml><?xml version="1.0" encoding="utf-8"?>
 <p:sld xmlns:a="http://schemas.openxmlformats.org/drawingml/2006/main" xmlns:r="http://schemas.openxmlformats.org/officeDocument/2006/relationships" xmlns:p="http://schemas.openxmlformats.org/presentationml/2006/main">
   <p:cSld>
     <p:spTree>
@@ -13133,7 +14356,7 @@
 </p:sld>
 </file>
 
-<file path=ppt/slides/slide32.xml><?xml version="1.0" encoding="utf-8"?>
+<file path=ppt/slides/slide36.xml><?xml version="1.0" encoding="utf-8"?>
 <p:sld xmlns:a="http://schemas.openxmlformats.org/drawingml/2006/main" xmlns:r="http://schemas.openxmlformats.org/officeDocument/2006/relationships" xmlns:p="http://schemas.openxmlformats.org/presentationml/2006/main">
   <p:cSld>
     <p:spTree>
@@ -13189,7 +14412,7 @@
             <a:pPr lvl="1" algn="ctr"/>
             <a:r>
               <a:rPr lang="en-US" dirty="0"/>
-              <a:t>Variety of functionalities—vector arithmetic, dot/cross products, normalization, and interpolation </a:t>
+              <a:t>Variety of functionalities—vector arithmetic, dot/cross products, angles, normalization, and interpolation </a:t>
             </a:r>
           </a:p>
           <a:p>
@@ -13216,6 +14439,13 @@
             <a:r>
               <a:rPr lang="en-US" dirty="0"/>
               <a:t> </a:t>
+            </a:r>
+          </a:p>
+          <a:p>
+            <a:pPr lvl="1" algn="ctr"/>
+            <a:r>
+              <a:rPr lang="en-US" dirty="0"/>
+              <a:t>STUDY AND USE THIS CLASS!</a:t>
             </a:r>
           </a:p>
         </p:txBody>
@@ -13258,7 +14488,7 @@
 </p:sld>
 </file>
 
-<file path=ppt/slides/slide33.xml><?xml version="1.0" encoding="utf-8"?>
+<file path=ppt/slides/slide37.xml><?xml version="1.0" encoding="utf-8"?>
 <p:sld xmlns:a="http://schemas.openxmlformats.org/drawingml/2006/main" xmlns:r="http://schemas.openxmlformats.org/officeDocument/2006/relationships" xmlns:p="http://schemas.openxmlformats.org/presentationml/2006/main">
   <p:cSld>
     <p:spTree>
@@ -13487,7 +14717,7 @@
 </p:sld>
 </file>
 
-<file path=ppt/slides/slide34.xml><?xml version="1.0" encoding="utf-8"?>
+<file path=ppt/slides/slide38.xml><?xml version="1.0" encoding="utf-8"?>
 <p:sld xmlns:a="http://schemas.openxmlformats.org/drawingml/2006/main" xmlns:r="http://schemas.openxmlformats.org/officeDocument/2006/relationships" xmlns:p="http://schemas.openxmlformats.org/presentationml/2006/main">
   <p:cSld>
     <p:spTree>
@@ -14547,7 +15777,7 @@
 </p:sld>
 </file>
 
-<file path=ppt/slides/slide35.xml><?xml version="1.0" encoding="utf-8"?>
+<file path=ppt/slides/slide39.xml><?xml version="1.0" encoding="utf-8"?>
 <p:sld xmlns:a="http://schemas.openxmlformats.org/drawingml/2006/main" xmlns:r="http://schemas.openxmlformats.org/officeDocument/2006/relationships" xmlns:p="http://schemas.openxmlformats.org/presentationml/2006/main">
   <p:cSld>
     <p:spTree>
@@ -15336,7 +16566,7 @@
 </p:sld>
 </file>
 
-<file path=ppt/slides/slide36.xml><?xml version="1.0" encoding="utf-8"?>
+<file path=ppt/slides/slide4.xml><?xml version="1.0" encoding="utf-8"?>
 <p:sld xmlns:a="http://schemas.openxmlformats.org/drawingml/2006/main" xmlns:r="http://schemas.openxmlformats.org/officeDocument/2006/relationships" xmlns:p="http://schemas.openxmlformats.org/presentationml/2006/main" showMasterSp="0">
   <p:cSld>
     <p:spTree>
@@ -15355,7 +16585,7 @@
       </p:grpSpPr>
       <p:sp>
         <p:nvSpPr>
-          <p:cNvPr id="7" name="Content Placeholder 6"/>
+          <p:cNvPr id="5" name="Content Placeholder 4"/>
           <p:cNvSpPr>
             <a:spLocks noGrp="1"/>
           </p:cNvSpPr>
@@ -15370,52 +16600,54 @@
           <a:p>
             <a:r>
               <a:rPr lang="en-US" dirty="0"/>
-              <a:t>folder structure</a:t>
+              <a:t>what is it?</a:t>
             </a:r>
           </a:p>
           <a:p>
             <a:pPr lvl="1"/>
             <a:r>
               <a:rPr lang="en-US" dirty="0"/>
-              <a:t>folder [NAME] &amp; [NAME].</a:t>
-            </a:r>
-            <a:r>
-              <a:rPr lang="en-US" dirty="0" err="1"/>
-              <a:t>pde</a:t>
-            </a:r>
-            <a:r>
-              <a:rPr lang="en-US" dirty="0"/>
-              <a:t> must match</a:t>
-            </a:r>
-          </a:p>
-          <a:p>
+              <a:t>open-source, online community</a:t>
+            </a:r>
+          </a:p>
+          <a:p>
+            <a:pPr lvl="1"/>
+            <a:r>
+              <a:rPr lang="en-US" dirty="0">
+                <a:hlinkClick r:id="rId2"/>
+              </a:rPr>
+              <a:t>https://processing.org/</a:t>
+            </a:r>
             <a:endParaRPr lang="en-US" dirty="0"/>
           </a:p>
           <a:p>
+            <a:pPr lvl="1"/>
+            <a:r>
+              <a:rPr lang="en-US" dirty="0">
+                <a:hlinkClick r:id="rId3"/>
+              </a:rPr>
+              <a:t>http://forum.processing.org/</a:t>
+            </a:r>
             <a:endParaRPr lang="en-US" dirty="0"/>
           </a:p>
           <a:p>
             <a:pPr lvl="1"/>
+            <a:r>
+              <a:rPr lang="en-US" dirty="0">
+                <a:hlinkClick r:id="rId4"/>
+              </a:rPr>
+              <a:t>https://github.com/processing</a:t>
+            </a:r>
             <a:endParaRPr lang="en-US" dirty="0"/>
           </a:p>
-          <a:p>
-            <a:pPr lvl="1"/>
-            <a:r>
-              <a:rPr lang="en-US" dirty="0"/>
-              <a:t>optional data folder (for images, input)</a:t>
-            </a:r>
-          </a:p>
-          <a:p>
-            <a:endParaRPr lang="en-US" dirty="0"/>
-          </a:p>
-        </p:txBody>
-      </p:sp>
-      <p:sp>
-        <p:nvSpPr>
-          <p:cNvPr id="2" name="Content Placeholder 1">
+        </p:txBody>
+      </p:sp>
+      <p:sp>
+        <p:nvSpPr>
+          <p:cNvPr id="8" name="Content Placeholder 7">
             <a:extLst>
               <a:ext uri="{FF2B5EF4-FFF2-40B4-BE49-F238E27FC236}">
-                <a16:creationId xmlns:a16="http://schemas.microsoft.com/office/drawing/2014/main" id="{38A96593-CC96-6F47-A22F-015D5E32C8BE}"/>
+                <a16:creationId xmlns:a16="http://schemas.microsoft.com/office/drawing/2014/main" id="{D96AB65C-AFAE-3A49-AD8B-255E7128DC5B}"/>
               </a:ext>
             </a:extLst>
           </p:cNvPr>
@@ -15437,30 +16669,42 @@
       </p:sp>
       <p:sp>
         <p:nvSpPr>
-          <p:cNvPr id="5" name="object 5"/>
-          <p:cNvSpPr/>
-          <p:nvPr/>
+          <p:cNvPr id="4" name="object 4"/>
+          <p:cNvSpPr txBox="1">
+            <a:spLocks noGrp="1"/>
+          </p:cNvSpPr>
+          <p:nvPr>
+            <p:ph type="sldNum" sz="quarter" idx="4294967295"/>
+          </p:nvPr>
         </p:nvSpPr>
         <p:spPr>
           <a:xfrm>
-            <a:off x="4568285" y="4038600"/>
-            <a:ext cx="8203692" cy="2103119"/>
+            <a:off x="0" y="9283700"/>
+            <a:ext cx="406400" cy="244475"/>
           </a:xfrm>
           <a:prstGeom prst="rect">
             <a:avLst/>
           </a:prstGeom>
-          <a:blipFill>
-            <a:blip r:embed="rId2" cstate="print"/>
-            <a:stretch>
-              <a:fillRect/>
-            </a:stretch>
-          </a:blipFill>
         </p:spPr>
         <p:txBody>
-          <a:bodyPr wrap="square" lIns="0" tIns="0" rIns="0" bIns="0" rtlCol="0"/>
-          <a:lstStyle/>
-          <a:p>
-            <a:endParaRPr/>
+          <a:bodyPr vert="horz" wrap="square" lIns="0" tIns="0" rIns="0" bIns="0" rtlCol="0">
+            <a:spAutoFit/>
+          </a:bodyPr>
+          <a:lstStyle/>
+          <a:p>
+            <a:pPr marL="25400">
+              <a:lnSpc>
+                <a:spcPts val="1920"/>
+              </a:lnSpc>
+            </a:pPr>
+            <a:r>
+              <a:rPr spc="-5" dirty="0">
+                <a:solidFill>
+                  <a:srgbClr val="FFFFFF"/>
+                </a:solidFill>
+              </a:rPr>
+              <a:t>21</a:t>
+            </a:r>
           </a:p>
         </p:txBody>
       </p:sp>
@@ -15472,7 +16716,7 @@
 </p:sld>
 </file>
 
-<file path=ppt/slides/slide37.xml><?xml version="1.0" encoding="utf-8"?>
+<file path=ppt/slides/slide40.xml><?xml version="1.0" encoding="utf-8"?>
 <p:sld xmlns:a="http://schemas.openxmlformats.org/drawingml/2006/main" xmlns:r="http://schemas.openxmlformats.org/officeDocument/2006/relationships" xmlns:p="http://schemas.openxmlformats.org/presentationml/2006/main" showMasterSp="0">
   <p:cSld>
     <p:spTree>
@@ -15491,7 +16735,7 @@
       </p:grpSpPr>
       <p:sp>
         <p:nvSpPr>
-          <p:cNvPr id="9" name="Content Placeholder 8"/>
+          <p:cNvPr id="7" name="Content Placeholder 6"/>
           <p:cNvSpPr>
             <a:spLocks noGrp="1"/>
           </p:cNvSpPr>
@@ -15501,49 +16745,60 @@
         </p:nvSpPr>
         <p:spPr/>
         <p:txBody>
-          <a:bodyPr>
-            <a:normAutofit/>
-          </a:bodyPr>
-          <a:lstStyle/>
-          <a:p>
-            <a:r>
-              <a:rPr lang="en-US" dirty="0"/>
-              <a:t>Documentation</a:t>
+          <a:bodyPr/>
+          <a:lstStyle/>
+          <a:p>
+            <a:r>
+              <a:rPr lang="en-US" dirty="0"/>
+              <a:t>folder structure</a:t>
             </a:r>
           </a:p>
           <a:p>
             <a:pPr lvl="1"/>
             <a:r>
               <a:rPr lang="en-US" dirty="0"/>
-              <a:t>available online</a:t>
-            </a:r>
-          </a:p>
-          <a:p>
-            <a:pPr lvl="1"/>
-            <a:r>
-              <a:rPr lang="en-US" dirty="0"/>
-              <a:t>also in the PDE</a:t>
-            </a:r>
+              <a:t>folder [NAME] &amp; [NAME].</a:t>
+            </a:r>
+            <a:r>
+              <a:rPr lang="en-US" dirty="0" err="1"/>
+              <a:t>pde</a:t>
+            </a:r>
+            <a:r>
+              <a:rPr lang="en-US" dirty="0"/>
+              <a:t> must match</a:t>
+            </a:r>
+          </a:p>
+          <a:p>
+            <a:endParaRPr lang="en-US" dirty="0"/>
+          </a:p>
+          <a:p>
+            <a:endParaRPr lang="en-US" dirty="0"/>
           </a:p>
           <a:p>
             <a:pPr lvl="1"/>
             <a:endParaRPr lang="en-US" dirty="0"/>
           </a:p>
           <a:p>
-            <a:pPr lvl="2"/>
-            <a:r>
-              <a:rPr lang="en-US" dirty="0">
-                <a:hlinkClick r:id="rId2"/>
-              </a:rPr>
-              <a:t>http://processing.org/reference/</a:t>
-            </a:r>
+            <a:pPr lvl="1"/>
+            <a:r>
+              <a:rPr lang="en-US" dirty="0"/>
+              <a:t>optional data folder (for images, input)</a:t>
+            </a:r>
+          </a:p>
+          <a:p>
             <a:endParaRPr lang="en-US" dirty="0"/>
           </a:p>
         </p:txBody>
       </p:sp>
       <p:sp>
         <p:nvSpPr>
-          <p:cNvPr id="12" name="Content Placeholder 11"/>
+          <p:cNvPr id="2" name="Content Placeholder 1">
+            <a:extLst>
+              <a:ext uri="{FF2B5EF4-FFF2-40B4-BE49-F238E27FC236}">
+                <a16:creationId xmlns:a16="http://schemas.microsoft.com/office/drawing/2014/main" id="{38A96593-CC96-6F47-A22F-015D5E32C8BE}"/>
+              </a:ext>
+            </a:extLst>
+          </p:cNvPr>
           <p:cNvSpPr>
             <a:spLocks noGrp="1"/>
           </p:cNvSpPr>
@@ -15562,20 +16817,20 @@
       </p:sp>
       <p:sp>
         <p:nvSpPr>
-          <p:cNvPr id="6" name="object 6"/>
+          <p:cNvPr id="5" name="object 5"/>
           <p:cNvSpPr/>
           <p:nvPr/>
         </p:nvSpPr>
         <p:spPr>
           <a:xfrm>
-            <a:off x="9051131" y="2410969"/>
-            <a:ext cx="5753100" cy="4931663"/>
+            <a:off x="4568285" y="4038600"/>
+            <a:ext cx="8203692" cy="2103119"/>
           </a:xfrm>
           <a:prstGeom prst="rect">
             <a:avLst/>
           </a:prstGeom>
           <a:blipFill>
-            <a:blip r:embed="rId3" cstate="print"/>
+            <a:blip r:embed="rId2" cstate="print"/>
             <a:stretch>
               <a:fillRect/>
             </a:stretch>
@@ -15597,7 +16852,7 @@
 </p:sld>
 </file>
 
-<file path=ppt/slides/slide38.xml><?xml version="1.0" encoding="utf-8"?>
+<file path=ppt/slides/slide41.xml><?xml version="1.0" encoding="utf-8"?>
 <p:sld xmlns:a="http://schemas.openxmlformats.org/drawingml/2006/main" xmlns:r="http://schemas.openxmlformats.org/officeDocument/2006/relationships" xmlns:p="http://schemas.openxmlformats.org/presentationml/2006/main" showMasterSp="0">
   <p:cSld>
     <p:spTree>
@@ -15616,6 +16871,131 @@
       </p:grpSpPr>
       <p:sp>
         <p:nvSpPr>
+          <p:cNvPr id="9" name="Content Placeholder 8"/>
+          <p:cNvSpPr>
+            <a:spLocks noGrp="1"/>
+          </p:cNvSpPr>
+          <p:nvPr>
+            <p:ph sz="half" idx="1"/>
+          </p:nvPr>
+        </p:nvSpPr>
+        <p:spPr/>
+        <p:txBody>
+          <a:bodyPr>
+            <a:normAutofit/>
+          </a:bodyPr>
+          <a:lstStyle/>
+          <a:p>
+            <a:r>
+              <a:rPr lang="en-US" dirty="0"/>
+              <a:t>Documentation</a:t>
+            </a:r>
+          </a:p>
+          <a:p>
+            <a:pPr lvl="1"/>
+            <a:r>
+              <a:rPr lang="en-US" dirty="0"/>
+              <a:t>available online</a:t>
+            </a:r>
+          </a:p>
+          <a:p>
+            <a:pPr lvl="1"/>
+            <a:r>
+              <a:rPr lang="en-US" dirty="0"/>
+              <a:t>also in the PDE</a:t>
+            </a:r>
+          </a:p>
+          <a:p>
+            <a:pPr lvl="1"/>
+            <a:endParaRPr lang="en-US" dirty="0"/>
+          </a:p>
+          <a:p>
+            <a:pPr lvl="2"/>
+            <a:r>
+              <a:rPr lang="en-US" dirty="0">
+                <a:hlinkClick r:id="rId2"/>
+              </a:rPr>
+              <a:t>http://processing.org/reference/</a:t>
+            </a:r>
+            <a:endParaRPr lang="en-US" dirty="0"/>
+          </a:p>
+        </p:txBody>
+      </p:sp>
+      <p:sp>
+        <p:nvSpPr>
+          <p:cNvPr id="12" name="Content Placeholder 11"/>
+          <p:cNvSpPr>
+            <a:spLocks noGrp="1"/>
+          </p:cNvSpPr>
+          <p:nvPr>
+            <p:ph sz="half" idx="10"/>
+          </p:nvPr>
+        </p:nvSpPr>
+        <p:spPr/>
+        <p:txBody>
+          <a:bodyPr/>
+          <a:lstStyle/>
+          <a:p>
+            <a:endParaRPr lang="en-US"/>
+          </a:p>
+        </p:txBody>
+      </p:sp>
+      <p:sp>
+        <p:nvSpPr>
+          <p:cNvPr id="6" name="object 6"/>
+          <p:cNvSpPr/>
+          <p:nvPr/>
+        </p:nvSpPr>
+        <p:spPr>
+          <a:xfrm>
+            <a:off x="9051131" y="2410969"/>
+            <a:ext cx="5753100" cy="4931663"/>
+          </a:xfrm>
+          <a:prstGeom prst="rect">
+            <a:avLst/>
+          </a:prstGeom>
+          <a:blipFill>
+            <a:blip r:embed="rId3" cstate="print"/>
+            <a:stretch>
+              <a:fillRect/>
+            </a:stretch>
+          </a:blipFill>
+        </p:spPr>
+        <p:txBody>
+          <a:bodyPr wrap="square" lIns="0" tIns="0" rIns="0" bIns="0" rtlCol="0"/>
+          <a:lstStyle/>
+          <a:p>
+            <a:endParaRPr/>
+          </a:p>
+        </p:txBody>
+      </p:sp>
+    </p:spTree>
+  </p:cSld>
+  <p:clrMapOvr>
+    <a:masterClrMapping/>
+  </p:clrMapOvr>
+</p:sld>
+</file>
+
+<file path=ppt/slides/slide42.xml><?xml version="1.0" encoding="utf-8"?>
+<p:sld xmlns:a="http://schemas.openxmlformats.org/drawingml/2006/main" xmlns:r="http://schemas.openxmlformats.org/officeDocument/2006/relationships" xmlns:p="http://schemas.openxmlformats.org/presentationml/2006/main" showMasterSp="0">
+  <p:cSld>
+    <p:spTree>
+      <p:nvGrpSpPr>
+        <p:cNvPr id="1" name=""/>
+        <p:cNvGrpSpPr/>
+        <p:nvPr/>
+      </p:nvGrpSpPr>
+      <p:grpSpPr>
+        <a:xfrm>
+          <a:off x="0" y="0"/>
+          <a:ext cx="0" cy="0"/>
+          <a:chOff x="0" y="0"/>
+          <a:chExt cx="0" cy="0"/>
+        </a:xfrm>
+      </p:grpSpPr>
+      <p:sp>
+        <p:nvSpPr>
           <p:cNvPr id="8" name="Content Placeholder 7"/>
           <p:cNvSpPr>
             <a:spLocks noGrp="1"/>
@@ -15702,7 +17082,7 @@
 </p:sld>
 </file>
 
-<file path=ppt/slides/slide39.xml><?xml version="1.0" encoding="utf-8"?>
+<file path=ppt/slides/slide43.xml><?xml version="1.0" encoding="utf-8"?>
 <p:sld xmlns:a="http://schemas.openxmlformats.org/drawingml/2006/main" xmlns:r="http://schemas.openxmlformats.org/officeDocument/2006/relationships" xmlns:p="http://schemas.openxmlformats.org/presentationml/2006/main" showMasterSp="0">
   <p:cSld>
     <p:spTree>
@@ -15888,157 +17268,7 @@
 </p:sld>
 </file>
 
-<file path=ppt/slides/slide4.xml><?xml version="1.0" encoding="utf-8"?>
-<p:sld xmlns:a="http://schemas.openxmlformats.org/drawingml/2006/main" xmlns:r="http://schemas.openxmlformats.org/officeDocument/2006/relationships" xmlns:p="http://schemas.openxmlformats.org/presentationml/2006/main" showMasterSp="0">
-  <p:cSld>
-    <p:spTree>
-      <p:nvGrpSpPr>
-        <p:cNvPr id="1" name=""/>
-        <p:cNvGrpSpPr/>
-        <p:nvPr/>
-      </p:nvGrpSpPr>
-      <p:grpSpPr>
-        <a:xfrm>
-          <a:off x="0" y="0"/>
-          <a:ext cx="0" cy="0"/>
-          <a:chOff x="0" y="0"/>
-          <a:chExt cx="0" cy="0"/>
-        </a:xfrm>
-      </p:grpSpPr>
-      <p:sp>
-        <p:nvSpPr>
-          <p:cNvPr id="5" name="Content Placeholder 4"/>
-          <p:cNvSpPr>
-            <a:spLocks noGrp="1"/>
-          </p:cNvSpPr>
-          <p:nvPr>
-            <p:ph sz="half" idx="1"/>
-          </p:nvPr>
-        </p:nvSpPr>
-        <p:spPr/>
-        <p:txBody>
-          <a:bodyPr/>
-          <a:lstStyle/>
-          <a:p>
-            <a:r>
-              <a:rPr lang="en-US" dirty="0"/>
-              <a:t>what is it?</a:t>
-            </a:r>
-          </a:p>
-          <a:p>
-            <a:pPr lvl="1"/>
-            <a:r>
-              <a:rPr lang="en-US" dirty="0"/>
-              <a:t>open-source, online community</a:t>
-            </a:r>
-          </a:p>
-          <a:p>
-            <a:pPr lvl="1"/>
-            <a:r>
-              <a:rPr lang="en-US" dirty="0">
-                <a:hlinkClick r:id="rId2"/>
-              </a:rPr>
-              <a:t>https://processing.org/</a:t>
-            </a:r>
-            <a:endParaRPr lang="en-US" dirty="0"/>
-          </a:p>
-          <a:p>
-            <a:pPr lvl="1"/>
-            <a:r>
-              <a:rPr lang="en-US" dirty="0">
-                <a:hlinkClick r:id="rId3"/>
-              </a:rPr>
-              <a:t>http://forum.processing.org/</a:t>
-            </a:r>
-            <a:endParaRPr lang="en-US" dirty="0"/>
-          </a:p>
-          <a:p>
-            <a:pPr lvl="1"/>
-            <a:r>
-              <a:rPr lang="en-US" dirty="0">
-                <a:hlinkClick r:id="rId4"/>
-              </a:rPr>
-              <a:t>https://github.com/processing</a:t>
-            </a:r>
-            <a:endParaRPr lang="en-US" dirty="0"/>
-          </a:p>
-        </p:txBody>
-      </p:sp>
-      <p:sp>
-        <p:nvSpPr>
-          <p:cNvPr id="8" name="Content Placeholder 7">
-            <a:extLst>
-              <a:ext uri="{FF2B5EF4-FFF2-40B4-BE49-F238E27FC236}">
-                <a16:creationId xmlns:a16="http://schemas.microsoft.com/office/drawing/2014/main" id="{D96AB65C-AFAE-3A49-AD8B-255E7128DC5B}"/>
-              </a:ext>
-            </a:extLst>
-          </p:cNvPr>
-          <p:cNvSpPr>
-            <a:spLocks noGrp="1"/>
-          </p:cNvSpPr>
-          <p:nvPr>
-            <p:ph sz="half" idx="10"/>
-          </p:nvPr>
-        </p:nvSpPr>
-        <p:spPr/>
-        <p:txBody>
-          <a:bodyPr/>
-          <a:lstStyle/>
-          <a:p>
-            <a:endParaRPr lang="en-US"/>
-          </a:p>
-        </p:txBody>
-      </p:sp>
-      <p:sp>
-        <p:nvSpPr>
-          <p:cNvPr id="4" name="object 4"/>
-          <p:cNvSpPr txBox="1">
-            <a:spLocks noGrp="1"/>
-          </p:cNvSpPr>
-          <p:nvPr>
-            <p:ph type="sldNum" sz="quarter" idx="4294967295"/>
-          </p:nvPr>
-        </p:nvSpPr>
-        <p:spPr>
-          <a:xfrm>
-            <a:off x="0" y="9283700"/>
-            <a:ext cx="406400" cy="244475"/>
-          </a:xfrm>
-          <a:prstGeom prst="rect">
-            <a:avLst/>
-          </a:prstGeom>
-        </p:spPr>
-        <p:txBody>
-          <a:bodyPr vert="horz" wrap="square" lIns="0" tIns="0" rIns="0" bIns="0" rtlCol="0">
-            <a:spAutoFit/>
-          </a:bodyPr>
-          <a:lstStyle/>
-          <a:p>
-            <a:pPr marL="25400">
-              <a:lnSpc>
-                <a:spcPts val="1920"/>
-              </a:lnSpc>
-            </a:pPr>
-            <a:r>
-              <a:rPr spc="-5" dirty="0">
-                <a:solidFill>
-                  <a:srgbClr val="FFFFFF"/>
-                </a:solidFill>
-              </a:rPr>
-              <a:t>21</a:t>
-            </a:r>
-          </a:p>
-        </p:txBody>
-      </p:sp>
-    </p:spTree>
-  </p:cSld>
-  <p:clrMapOvr>
-    <a:masterClrMapping/>
-  </p:clrMapOvr>
-</p:sld>
-</file>
-
-<file path=ppt/slides/slide40.xml><?xml version="1.0" encoding="utf-8"?>
+<file path=ppt/slides/slide44.xml><?xml version="1.0" encoding="utf-8"?>
 <p:sld xmlns:a="http://schemas.openxmlformats.org/drawingml/2006/main" xmlns:r="http://schemas.openxmlformats.org/officeDocument/2006/relationships" xmlns:p="http://schemas.openxmlformats.org/presentationml/2006/main">
   <p:cSld>
     <p:spTree>
@@ -16417,18 +17647,6 @@
   <p:clrMapOvr>
     <a:masterClrMapping/>
   </p:clrMapOvr>
-  <mc:AlternateContent xmlns:mc="http://schemas.openxmlformats.org/markup-compatibility/2006" xmlns:p159="http://schemas.microsoft.com/office/powerpoint/2015/09/main">
-    <mc:Choice Requires="p159">
-      <p:transition xmlns:p14="http://schemas.microsoft.com/office/powerpoint/2010/main" spd="slow" p14:dur="2000">
-        <p159:morph option="byObject"/>
-      </p:transition>
-    </mc:Choice>
-    <mc:Fallback xmlns="">
-      <p:transition spd="slow">
-        <p:fade/>
-      </p:transition>
-    </mc:Fallback>
-  </mc:AlternateContent>
 </p:sld>
 </file>
 
@@ -17127,18 +18345,6 @@
   <p:clrMapOvr>
     <a:masterClrMapping/>
   </p:clrMapOvr>
-  <mc:AlternateContent xmlns:mc="http://schemas.openxmlformats.org/markup-compatibility/2006" xmlns:p159="http://schemas.microsoft.com/office/powerpoint/2015/09/main">
-    <mc:Choice Requires="p159">
-      <p:transition xmlns:p14="http://schemas.microsoft.com/office/powerpoint/2010/main" spd="slow" p14:dur="2000">
-        <p159:morph option="byObject"/>
-      </p:transition>
-    </mc:Choice>
-    <mc:Fallback xmlns="">
-      <p:transition spd="slow">
-        <p:fade/>
-      </p:transition>
-    </mc:Fallback>
-  </mc:AlternateContent>
 </p:sld>
 </file>
 
